--- a/Entrega02(1).pptx
+++ b/Entrega02(1).pptx
@@ -125,6 +125,10 @@
 </p:presentation>
 </file>
 
+<file path=ppt/revisionInfo.xml><?xml version="1.0" encoding="utf-8"?>
+<p1510:revInfo xmlns:a="http://schemas.openxmlformats.org/drawingml/2006/main" xmlns:r="http://schemas.openxmlformats.org/officeDocument/2006/relationships" xmlns:p1510="http://schemas.microsoft.com/office/powerpoint/2015/10/main"/>
+</file>
+
 <file path=ppt/slideLayouts/slideLayout1.xml><?xml version="1.0" encoding="utf-8"?>
 <p:sldLayout xmlns:a="http://schemas.openxmlformats.org/drawingml/2006/main" xmlns:r="http://schemas.openxmlformats.org/officeDocument/2006/relationships" xmlns:p="http://schemas.openxmlformats.org/presentationml/2006/main" type="title" preserve="1">
   <p:cSld name="Slide de Título">
@@ -256,7 +260,7 @@
           <a:p>
             <a:fld id="{DDD670B3-E2EA-4637-9A35-A3F69C814A4D}" type="datetimeFigureOut">
               <a:rPr lang="pt-BR" smtClean="0"/>
-              <a:t>28/08/2017</a:t>
+              <a:t>29/08/2017</a:t>
             </a:fld>
             <a:endParaRPr lang="pt-BR"/>
           </a:p>
@@ -470,7 +474,7 @@
           <a:p>
             <a:fld id="{DDD670B3-E2EA-4637-9A35-A3F69C814A4D}" type="datetimeFigureOut">
               <a:rPr lang="pt-BR" smtClean="0"/>
-              <a:t>28/08/2017</a:t>
+              <a:t>29/08/2017</a:t>
             </a:fld>
             <a:endParaRPr lang="pt-BR"/>
           </a:p>
@@ -694,7 +698,7 @@
           <a:p>
             <a:fld id="{DDD670B3-E2EA-4637-9A35-A3F69C814A4D}" type="datetimeFigureOut">
               <a:rPr lang="pt-BR" smtClean="0"/>
-              <a:t>28/08/2017</a:t>
+              <a:t>29/08/2017</a:t>
             </a:fld>
             <a:endParaRPr lang="pt-BR"/>
           </a:p>
@@ -908,7 +912,7 @@
           <a:p>
             <a:fld id="{DDD670B3-E2EA-4637-9A35-A3F69C814A4D}" type="datetimeFigureOut">
               <a:rPr lang="pt-BR" smtClean="0"/>
-              <a:t>28/08/2017</a:t>
+              <a:t>29/08/2017</a:t>
             </a:fld>
             <a:endParaRPr lang="pt-BR"/>
           </a:p>
@@ -1198,7 +1202,7 @@
           <a:p>
             <a:fld id="{DDD670B3-E2EA-4637-9A35-A3F69C814A4D}" type="datetimeFigureOut">
               <a:rPr lang="pt-BR" smtClean="0"/>
-              <a:t>28/08/2017</a:t>
+              <a:t>29/08/2017</a:t>
             </a:fld>
             <a:endParaRPr lang="pt-BR"/>
           </a:p>
@@ -1474,7 +1478,7 @@
           <a:p>
             <a:fld id="{DDD670B3-E2EA-4637-9A35-A3F69C814A4D}" type="datetimeFigureOut">
               <a:rPr lang="pt-BR" smtClean="0"/>
-              <a:t>28/08/2017</a:t>
+              <a:t>29/08/2017</a:t>
             </a:fld>
             <a:endParaRPr lang="pt-BR"/>
           </a:p>
@@ -1885,7 +1889,7 @@
           <a:p>
             <a:fld id="{DDD670B3-E2EA-4637-9A35-A3F69C814A4D}" type="datetimeFigureOut">
               <a:rPr lang="pt-BR" smtClean="0"/>
-              <a:t>28/08/2017</a:t>
+              <a:t>29/08/2017</a:t>
             </a:fld>
             <a:endParaRPr lang="pt-BR"/>
           </a:p>
@@ -2047,7 +2051,7 @@
           <a:p>
             <a:fld id="{DDD670B3-E2EA-4637-9A35-A3F69C814A4D}" type="datetimeFigureOut">
               <a:rPr lang="pt-BR" smtClean="0"/>
-              <a:t>28/08/2017</a:t>
+              <a:t>29/08/2017</a:t>
             </a:fld>
             <a:endParaRPr lang="pt-BR"/>
           </a:p>
@@ -2186,7 +2190,7 @@
           <a:p>
             <a:fld id="{DDD670B3-E2EA-4637-9A35-A3F69C814A4D}" type="datetimeFigureOut">
               <a:rPr lang="pt-BR" smtClean="0"/>
-              <a:t>28/08/2017</a:t>
+              <a:t>29/08/2017</a:t>
             </a:fld>
             <a:endParaRPr lang="pt-BR"/>
           </a:p>
@@ -2507,7 +2511,7 @@
           <a:p>
             <a:fld id="{DDD670B3-E2EA-4637-9A35-A3F69C814A4D}" type="datetimeFigureOut">
               <a:rPr lang="pt-BR" smtClean="0"/>
-              <a:t>28/08/2017</a:t>
+              <a:t>29/08/2017</a:t>
             </a:fld>
             <a:endParaRPr lang="pt-BR"/>
           </a:p>
@@ -2808,7 +2812,7 @@
           <a:p>
             <a:fld id="{DDD670B3-E2EA-4637-9A35-A3F69C814A4D}" type="datetimeFigureOut">
               <a:rPr lang="pt-BR" smtClean="0"/>
-              <a:t>28/08/2017</a:t>
+              <a:t>29/08/2017</a:t>
             </a:fld>
             <a:endParaRPr lang="pt-BR"/>
           </a:p>
@@ -3065,7 +3069,7 @@
           <a:p>
             <a:fld id="{DDD670B3-E2EA-4637-9A35-A3F69C814A4D}" type="datetimeFigureOut">
               <a:rPr lang="pt-BR" smtClean="0"/>
-              <a:t>28/08/2017</a:t>
+              <a:t>29/08/2017</a:t>
             </a:fld>
             <a:endParaRPr lang="pt-BR"/>
           </a:p>
@@ -3593,10 +3597,39 @@
           <a:bodyPr/>
           <a:lstStyle/>
           <a:p>
-            <a:endParaRPr lang="pt-BR"/>
-          </a:p>
-        </p:txBody>
-      </p:sp>
+            <a:endParaRPr lang="pt-BR" dirty="0"/>
+          </a:p>
+        </p:txBody>
+      </p:sp>
+      <p:pic>
+        <p:nvPicPr>
+          <p:cNvPr id="5" name="Imagem 4">
+            <a:extLst>
+              <a:ext uri="{FF2B5EF4-FFF2-40B4-BE49-F238E27FC236}">
+                <a16:creationId xmlns:a16="http://schemas.microsoft.com/office/drawing/2014/main" id="{1DA16976-34A6-4394-996A-F076A9663A0D}"/>
+              </a:ext>
+            </a:extLst>
+          </p:cNvPr>
+          <p:cNvPicPr>
+            <a:picLocks noChangeAspect="1"/>
+          </p:cNvPicPr>
+          <p:nvPr/>
+        </p:nvPicPr>
+        <p:blipFill rotWithShape="1">
+          <a:blip r:embed="rId2"/>
+          <a:srcRect t="9599" r="1885" b="6207"/>
+          <a:stretch/>
+        </p:blipFill>
+        <p:spPr>
+          <a:xfrm>
+            <a:off x="266700" y="978172"/>
+            <a:ext cx="11581406" cy="5587520"/>
+          </a:xfrm>
+          <a:prstGeom prst="rect">
+            <a:avLst/>
+          </a:prstGeom>
+        </p:spPr>
+      </p:pic>
     </p:spTree>
     <p:extLst>
       <p:ext uri="{BB962C8B-B14F-4D97-AF65-F5344CB8AC3E}">
@@ -3676,7 +3709,10 @@
           <a:bodyPr/>
           <a:lstStyle/>
           <a:p>
-            <a:endParaRPr lang="pt-BR"/>
+            <a:r>
+              <a:rPr lang="pt-BR" dirty="0"/>
+              <a:t>O sobre mim terá o mesmo Design dos projetos, deixando assim o site uniforme. Cada Integrante terá seu nome e foto,  onde a pessoa pode clicar e saber mais sobre ele.</a:t>
+            </a:r>
           </a:p>
         </p:txBody>
       </p:sp>
@@ -4108,13 +4144,7 @@
               <a:rPr lang="pt-BR" dirty="0">
                 <a:hlinkClick r:id="rId3"/>
               </a:rPr>
-              <a:t>http://www.site-ficticio-b.com</a:t>
-            </a:r>
-            <a:r>
-              <a:rPr lang="pt-BR">
-                <a:hlinkClick r:id="rId3"/>
-              </a:rPr>
-              <a:t>/pagina-ficticia-9</a:t>
+              <a:t>http://www.site-ficticio-b.com/pagina-ficticia-9</a:t>
             </a:r>
             <a:br>
               <a:rPr lang="pt-BR" dirty="0"/>
@@ -4178,7 +4208,15 @@
                   <a:srgbClr val="FF0000"/>
                 </a:solidFill>
               </a:rPr>
-              <a:t>(colocar o nome da equipe)</a:t>
+              <a:t>J.L-</a:t>
+            </a:r>
+            <a:r>
+              <a:rPr lang="pt-BR" dirty="0" err="1">
+                <a:solidFill>
+                  <a:srgbClr val="FF0000"/>
+                </a:solidFill>
+              </a:rPr>
+              <a:t>inc</a:t>
             </a:r>
             <a:endParaRPr lang="pt-BR" dirty="0"/>
           </a:p>
@@ -4201,35 +4239,34 @@
           <a:p>
             <a:r>
               <a:rPr lang="pt-BR" dirty="0"/>
-              <a:t>Nome - Engenharia</a:t>
+              <a:t>Diego David – Engenharia Mecatrônica</a:t>
             </a:r>
           </a:p>
           <a:p>
             <a:r>
               <a:rPr lang="pt-BR" dirty="0"/>
-              <a:t>Nome - Engenharia</a:t>
-            </a:r>
-          </a:p>
-          <a:p>
+              <a:t>Felipe </a:t>
+            </a:r>
+            <a:r>
+              <a:rPr lang="pt-BR" dirty="0" err="1"/>
+              <a:t>Teracini</a:t>
+            </a:r>
             <a:r>
               <a:rPr lang="pt-BR" dirty="0"/>
-              <a:t>Nome – Engenharia</a:t>
+              <a:t> – Engenharia Mecatrônica</a:t>
             </a:r>
           </a:p>
           <a:p>
             <a:r>
               <a:rPr lang="pt-BR" dirty="0"/>
-              <a:t>Nome - Engenharia</a:t>
+              <a:t>João Laet de Toledo – Engenharia Mecânica</a:t>
             </a:r>
           </a:p>
           <a:p>
             <a:r>
               <a:rPr lang="pt-BR" dirty="0"/>
-              <a:t>Nome - Engenharia</a:t>
-            </a:r>
-          </a:p>
-          <a:p>
-            <a:endParaRPr lang="pt-BR" dirty="0"/>
+              <a:t>Lucas Vaz – Engenharia da Computação</a:t>
+            </a:r>
           </a:p>
         </p:txBody>
       </p:sp>
@@ -4552,42 +4589,6 @@
           </a:p>
         </p:txBody>
       </p:sp>
-      <p:pic>
-        <p:nvPicPr>
-          <p:cNvPr id="16" name="Imagem 15">
-            <a:extLst>
-              <a:ext uri="{FF2B5EF4-FFF2-40B4-BE49-F238E27FC236}">
-                <a16:creationId xmlns:a16="http://schemas.microsoft.com/office/drawing/2014/main" id="{B005FC66-1AC1-448A-A860-D2074A9BF701}"/>
-              </a:ext>
-            </a:extLst>
-          </p:cNvPr>
-          <p:cNvPicPr>
-            <a:picLocks noChangeAspect="1"/>
-          </p:cNvPicPr>
-          <p:nvPr/>
-        </p:nvPicPr>
-        <p:blipFill>
-          <a:blip r:embed="rId2">
-            <a:extLst>
-              <a:ext uri="{28A0092B-C50C-407E-A947-70E740481C1C}">
-                <a14:useLocalDpi xmlns:a14="http://schemas.microsoft.com/office/drawing/2010/main" val="0"/>
-              </a:ext>
-            </a:extLst>
-          </a:blip>
-          <a:stretch>
-            <a:fillRect/>
-          </a:stretch>
-        </p:blipFill>
-        <p:spPr>
-          <a:xfrm>
-            <a:off x="497150" y="1242318"/>
-            <a:ext cx="2788876" cy="951021"/>
-          </a:xfrm>
-          <a:prstGeom prst="rect">
-            <a:avLst/>
-          </a:prstGeom>
-        </p:spPr>
-      </p:pic>
       <p:sp>
         <p:nvSpPr>
           <p:cNvPr id="17" name="CaixaDeTexto 16">
@@ -4951,6 +4952,42 @@
           </a:p>
         </p:txBody>
       </p:sp>
+      <p:pic>
+        <p:nvPicPr>
+          <p:cNvPr id="20" name="Imagem 19">
+            <a:extLst>
+              <a:ext uri="{FF2B5EF4-FFF2-40B4-BE49-F238E27FC236}">
+                <a16:creationId xmlns:a16="http://schemas.microsoft.com/office/drawing/2014/main" id="{571B0E01-AA77-406D-AFC7-92E94E30E3C0}"/>
+              </a:ext>
+            </a:extLst>
+          </p:cNvPr>
+          <p:cNvPicPr>
+            <a:picLocks noChangeAspect="1"/>
+          </p:cNvPicPr>
+          <p:nvPr/>
+        </p:nvPicPr>
+        <p:blipFill>
+          <a:blip r:embed="rId2">
+            <a:extLst>
+              <a:ext uri="{28A0092B-C50C-407E-A947-70E740481C1C}">
+                <a14:useLocalDpi xmlns:a14="http://schemas.microsoft.com/office/drawing/2010/main" val="0"/>
+              </a:ext>
+            </a:extLst>
+          </a:blip>
+          <a:stretch>
+            <a:fillRect/>
+          </a:stretch>
+        </p:blipFill>
+        <p:spPr>
+          <a:xfrm>
+            <a:off x="497150" y="1242318"/>
+            <a:ext cx="2788876" cy="951021"/>
+          </a:xfrm>
+          <a:prstGeom prst="rect">
+            <a:avLst/>
+          </a:prstGeom>
+        </p:spPr>
+      </p:pic>
     </p:spTree>
     <p:extLst>
       <p:ext uri="{BB962C8B-B14F-4D97-AF65-F5344CB8AC3E}">
@@ -5010,30 +5047,35 @@
           </a:p>
         </p:txBody>
       </p:sp>
-      <p:sp>
-        <p:nvSpPr>
-          <p:cNvPr id="4" name="Espaço Reservado para Conteúdo 3"/>
-          <p:cNvSpPr>
-            <a:spLocks noGrp="1"/>
-          </p:cNvSpPr>
-          <p:nvPr>
-            <p:ph idx="1"/>
-          </p:nvPr>
-        </p:nvSpPr>
+      <p:pic>
+        <p:nvPicPr>
+          <p:cNvPr id="3" name="Imagem 2">
+            <a:extLst>
+              <a:ext uri="{FF2B5EF4-FFF2-40B4-BE49-F238E27FC236}">
+                <a16:creationId xmlns:a16="http://schemas.microsoft.com/office/drawing/2014/main" id="{8AF50CBC-1238-4795-889C-008E08D12AC8}"/>
+              </a:ext>
+            </a:extLst>
+          </p:cNvPr>
+          <p:cNvPicPr>
+            <a:picLocks noChangeAspect="1"/>
+          </p:cNvPicPr>
+          <p:nvPr/>
+        </p:nvPicPr>
+        <p:blipFill rotWithShape="1">
+          <a:blip r:embed="rId2"/>
+          <a:srcRect t="8285" r="987" b="5770"/>
+          <a:stretch/>
+        </p:blipFill>
         <p:spPr>
           <a:xfrm>
-            <a:off x="379141" y="992459"/>
-            <a:ext cx="11385396" cy="5184504"/>
+            <a:off x="485306" y="992458"/>
+            <a:ext cx="11279231" cy="5504419"/>
           </a:xfrm>
+          <a:prstGeom prst="rect">
+            <a:avLst/>
+          </a:prstGeom>
         </p:spPr>
-        <p:txBody>
-          <a:bodyPr/>
-          <a:lstStyle/>
-          <a:p>
-            <a:endParaRPr lang="pt-BR"/>
-          </a:p>
-        </p:txBody>
-      </p:sp>
+      </p:pic>
     </p:spTree>
     <p:extLst>
       <p:ext uri="{BB962C8B-B14F-4D97-AF65-F5344CB8AC3E}">
@@ -5113,7 +5155,13 @@
           <a:bodyPr/>
           <a:lstStyle/>
           <a:p>
-            <a:endParaRPr lang="pt-BR"/>
+            <a:pPr marL="0" indent="0">
+              <a:buNone/>
+            </a:pPr>
+            <a:r>
+              <a:rPr lang="pt-BR" dirty="0"/>
+              <a:t>O design da página inicial foi elaborado de uma maneira simples, para que logo que o usuário entre na página, já direcione o olhar para o foco da página, que é o botão para ver os melhores projetos já feitos. Ao lado será possível ver todos os projeto, organizados em categorias e a ler a respeito dos integrantes.</a:t>
+            </a:r>
           </a:p>
         </p:txBody>
       </p:sp>
@@ -5159,7 +5207,7 @@
         </p:nvSpPr>
         <p:spPr>
           <a:xfrm>
-            <a:off x="266700" y="-104775"/>
+            <a:off x="355473" y="16718"/>
             <a:ext cx="10515600" cy="1325563"/>
           </a:xfrm>
         </p:spPr>
@@ -5176,1313 +5224,1334 @@
           </a:p>
         </p:txBody>
       </p:sp>
-      <p:sp>
-        <p:nvSpPr>
-          <p:cNvPr id="6" name="Retângulo 5">
+      <p:grpSp>
+        <p:nvGrpSpPr>
+          <p:cNvPr id="4" name="Agrupar 3">
             <a:extLst>
               <a:ext uri="{FF2B5EF4-FFF2-40B4-BE49-F238E27FC236}">
-                <a16:creationId xmlns:a16="http://schemas.microsoft.com/office/drawing/2014/main" id="{23F35FA0-2975-4999-9879-6E1D3F61546C}"/>
+                <a16:creationId xmlns:a16="http://schemas.microsoft.com/office/drawing/2014/main" id="{5F72B657-DD7E-479B-A039-245119497C5D}"/>
               </a:ext>
             </a:extLst>
           </p:cNvPr>
-          <p:cNvSpPr/>
+          <p:cNvGrpSpPr/>
           <p:nvPr/>
-        </p:nvSpPr>
-        <p:spPr>
-          <a:xfrm>
-            <a:off x="346598" y="1118586"/>
-            <a:ext cx="11487705" cy="5486400"/>
-          </a:xfrm>
-          <a:prstGeom prst="rect">
-            <a:avLst/>
-          </a:prstGeom>
-          <a:solidFill>
-            <a:schemeClr val="bg2">
-              <a:lumMod val="25000"/>
-            </a:schemeClr>
-          </a:solidFill>
-        </p:spPr>
-        <p:style>
-          <a:lnRef idx="2">
-            <a:schemeClr val="accent1">
-              <a:shade val="50000"/>
-            </a:schemeClr>
-          </a:lnRef>
-          <a:fillRef idx="1">
-            <a:schemeClr val="accent1"/>
-          </a:fillRef>
-          <a:effectRef idx="0">
-            <a:schemeClr val="accent1"/>
-          </a:effectRef>
-          <a:fontRef idx="minor">
-            <a:schemeClr val="lt1"/>
-          </a:fontRef>
-        </p:style>
-        <p:txBody>
-          <a:bodyPr rtlCol="0" anchor="ctr"/>
-          <a:lstStyle/>
-          <a:p>
-            <a:pPr algn="ctr"/>
-            <a:endParaRPr lang="pt-BR"/>
-          </a:p>
-        </p:txBody>
-      </p:sp>
-      <p:sp>
-        <p:nvSpPr>
-          <p:cNvPr id="7" name="Retângulo 6">
-            <a:extLst>
-              <a:ext uri="{FF2B5EF4-FFF2-40B4-BE49-F238E27FC236}">
-                <a16:creationId xmlns:a16="http://schemas.microsoft.com/office/drawing/2014/main" id="{0EE759A2-52D9-49E8-9A03-A5C26935BBDA}"/>
-              </a:ext>
-            </a:extLst>
-          </p:cNvPr>
-          <p:cNvSpPr/>
-          <p:nvPr/>
-        </p:nvSpPr>
-        <p:spPr>
+        </p:nvGrpSpPr>
+        <p:grpSpPr>
           <a:xfrm>
             <a:off x="346596" y="1078637"/>
-            <a:ext cx="11487705" cy="1278385"/>
+            <a:ext cx="11487707" cy="5526349"/>
+            <a:chOff x="346596" y="1078637"/>
+            <a:chExt cx="11487707" cy="5526349"/>
           </a:xfrm>
-          <a:prstGeom prst="rect">
-            <a:avLst/>
-          </a:prstGeom>
-          <a:solidFill>
-            <a:schemeClr val="bg2">
-              <a:lumMod val="10000"/>
-            </a:schemeClr>
-          </a:solidFill>
-          <a:ln>
+        </p:grpSpPr>
+        <p:sp>
+          <p:nvSpPr>
+            <p:cNvPr id="6" name="Retângulo 5">
+              <a:extLst>
+                <a:ext uri="{FF2B5EF4-FFF2-40B4-BE49-F238E27FC236}">
+                  <a16:creationId xmlns:a16="http://schemas.microsoft.com/office/drawing/2014/main" id="{23F35FA0-2975-4999-9879-6E1D3F61546C}"/>
+                </a:ext>
+              </a:extLst>
+            </p:cNvPr>
+            <p:cNvSpPr/>
+            <p:nvPr/>
+          </p:nvSpPr>
+          <p:spPr>
+            <a:xfrm>
+              <a:off x="346598" y="1118586"/>
+              <a:ext cx="11487705" cy="5486400"/>
+            </a:xfrm>
+            <a:prstGeom prst="rect">
+              <a:avLst/>
+            </a:prstGeom>
+            <a:solidFill>
+              <a:schemeClr val="bg2">
+                <a:lumMod val="25000"/>
+              </a:schemeClr>
+            </a:solidFill>
+          </p:spPr>
+          <p:style>
+            <a:lnRef idx="2">
+              <a:schemeClr val="accent1">
+                <a:shade val="50000"/>
+              </a:schemeClr>
+            </a:lnRef>
+            <a:fillRef idx="1">
+              <a:schemeClr val="accent1"/>
+            </a:fillRef>
+            <a:effectRef idx="0">
+              <a:schemeClr val="accent1"/>
+            </a:effectRef>
+            <a:fontRef idx="minor">
+              <a:schemeClr val="lt1"/>
+            </a:fontRef>
+          </p:style>
+          <p:txBody>
+            <a:bodyPr rtlCol="0" anchor="ctr"/>
+            <a:lstStyle/>
+            <a:p>
+              <a:pPr algn="ctr"/>
+              <a:endParaRPr lang="pt-BR"/>
+            </a:p>
+          </p:txBody>
+        </p:sp>
+        <p:sp>
+          <p:nvSpPr>
+            <p:cNvPr id="7" name="Retângulo 6">
+              <a:extLst>
+                <a:ext uri="{FF2B5EF4-FFF2-40B4-BE49-F238E27FC236}">
+                  <a16:creationId xmlns:a16="http://schemas.microsoft.com/office/drawing/2014/main" id="{0EE759A2-52D9-49E8-9A03-A5C26935BBDA}"/>
+                </a:ext>
+              </a:extLst>
+            </p:cNvPr>
+            <p:cNvSpPr/>
+            <p:nvPr/>
+          </p:nvSpPr>
+          <p:spPr>
+            <a:xfrm>
+              <a:off x="346596" y="1078637"/>
+              <a:ext cx="11487705" cy="1278385"/>
+            </a:xfrm>
+            <a:prstGeom prst="rect">
+              <a:avLst/>
+            </a:prstGeom>
             <a:solidFill>
               <a:schemeClr val="bg2">
                 <a:lumMod val="10000"/>
               </a:schemeClr>
             </a:solidFill>
-          </a:ln>
-        </p:spPr>
-        <p:style>
-          <a:lnRef idx="2">
-            <a:schemeClr val="accent1">
-              <a:shade val="50000"/>
-            </a:schemeClr>
-          </a:lnRef>
-          <a:fillRef idx="1">
-            <a:schemeClr val="accent1"/>
-          </a:fillRef>
-          <a:effectRef idx="0">
-            <a:schemeClr val="accent1"/>
-          </a:effectRef>
-          <a:fontRef idx="minor">
-            <a:schemeClr val="lt1"/>
-          </a:fontRef>
-        </p:style>
-        <p:txBody>
-          <a:bodyPr rtlCol="0" anchor="ctr"/>
-          <a:lstStyle/>
-          <a:p>
-            <a:pPr algn="ctr"/>
-            <a:r>
-              <a:rPr lang="en-US" sz="8000" dirty="0"/>
-              <a:t>J.L. Inc.</a:t>
-            </a:r>
-            <a:endParaRPr lang="pt-BR" sz="8000" dirty="0"/>
-          </a:p>
-        </p:txBody>
-      </p:sp>
-      <p:pic>
-        <p:nvPicPr>
-          <p:cNvPr id="8" name="Imagem 7">
-            <a:extLst>
-              <a:ext uri="{FF2B5EF4-FFF2-40B4-BE49-F238E27FC236}">
-                <a16:creationId xmlns:a16="http://schemas.microsoft.com/office/drawing/2014/main" id="{1B27DCBA-2D0B-4FC5-A0B2-A22512C4F439}"/>
-              </a:ext>
-            </a:extLst>
-          </p:cNvPr>
-          <p:cNvPicPr>
-            <a:picLocks noChangeAspect="1"/>
-          </p:cNvPicPr>
-          <p:nvPr/>
-        </p:nvPicPr>
-        <p:blipFill>
-          <a:blip r:embed="rId2">
-            <a:extLst>
-              <a:ext uri="{28A0092B-C50C-407E-A947-70E740481C1C}">
-                <a14:useLocalDpi xmlns:a14="http://schemas.microsoft.com/office/drawing/2010/main" val="0"/>
-              </a:ext>
-            </a:extLst>
-          </a:blip>
-          <a:stretch>
-            <a:fillRect/>
-          </a:stretch>
-        </p:blipFill>
-        <p:spPr>
-          <a:xfrm>
-            <a:off x="497150" y="1242318"/>
-            <a:ext cx="2788876" cy="951021"/>
-          </a:xfrm>
-          <a:prstGeom prst="rect">
-            <a:avLst/>
-          </a:prstGeom>
-        </p:spPr>
-      </p:pic>
-      <p:sp>
-        <p:nvSpPr>
-          <p:cNvPr id="9" name="Retângulo 8">
-            <a:extLst>
-              <a:ext uri="{FF2B5EF4-FFF2-40B4-BE49-F238E27FC236}">
-                <a16:creationId xmlns:a16="http://schemas.microsoft.com/office/drawing/2014/main" id="{B2154AC8-329F-45F9-BFC4-F67BB0B85A40}"/>
-              </a:ext>
-            </a:extLst>
-          </p:cNvPr>
-          <p:cNvSpPr/>
-          <p:nvPr/>
-        </p:nvSpPr>
-        <p:spPr>
-          <a:xfrm>
-            <a:off x="355473" y="3124939"/>
-            <a:ext cx="2467625" cy="3480047"/>
-          </a:xfrm>
-          <a:prstGeom prst="rect">
-            <a:avLst/>
-          </a:prstGeom>
-          <a:solidFill>
-            <a:schemeClr val="bg2">
-              <a:lumMod val="75000"/>
-            </a:schemeClr>
-          </a:solidFill>
-        </p:spPr>
-        <p:style>
-          <a:lnRef idx="2">
-            <a:schemeClr val="accent1">
-              <a:shade val="50000"/>
-            </a:schemeClr>
-          </a:lnRef>
-          <a:fillRef idx="1">
-            <a:schemeClr val="accent1"/>
-          </a:fillRef>
-          <a:effectRef idx="0">
-            <a:schemeClr val="accent1"/>
-          </a:effectRef>
-          <a:fontRef idx="minor">
-            <a:schemeClr val="lt1"/>
-          </a:fontRef>
-        </p:style>
-        <p:txBody>
-          <a:bodyPr rtlCol="0" anchor="ctr"/>
-          <a:lstStyle/>
-          <a:p>
-            <a:pPr algn="ctr"/>
-            <a:endParaRPr lang="pt-BR" dirty="0"/>
-          </a:p>
-        </p:txBody>
-      </p:sp>
-      <p:sp>
-        <p:nvSpPr>
-          <p:cNvPr id="3" name="Retângulo 2">
-            <a:extLst>
-              <a:ext uri="{FF2B5EF4-FFF2-40B4-BE49-F238E27FC236}">
-                <a16:creationId xmlns:a16="http://schemas.microsoft.com/office/drawing/2014/main" id="{B75382E8-9FE7-42D5-AD58-1AF2D1A0ED62}"/>
-              </a:ext>
-            </a:extLst>
-          </p:cNvPr>
-          <p:cNvSpPr/>
-          <p:nvPr/>
-        </p:nvSpPr>
-        <p:spPr>
-          <a:xfrm>
-            <a:off x="355473" y="2357022"/>
-            <a:ext cx="2458748" cy="803428"/>
-          </a:xfrm>
-          <a:prstGeom prst="rect">
-            <a:avLst/>
-          </a:prstGeom>
-          <a:solidFill>
-            <a:schemeClr val="bg2">
-              <a:lumMod val="50000"/>
-            </a:schemeClr>
-          </a:solidFill>
-          <a:ln>
+            <a:ln>
+              <a:solidFill>
+                <a:schemeClr val="bg2">
+                  <a:lumMod val="10000"/>
+                </a:schemeClr>
+              </a:solidFill>
+            </a:ln>
+          </p:spPr>
+          <p:style>
+            <a:lnRef idx="2">
+              <a:schemeClr val="accent1">
+                <a:shade val="50000"/>
+              </a:schemeClr>
+            </a:lnRef>
+            <a:fillRef idx="1">
+              <a:schemeClr val="accent1"/>
+            </a:fillRef>
+            <a:effectRef idx="0">
+              <a:schemeClr val="accent1"/>
+            </a:effectRef>
+            <a:fontRef idx="minor">
+              <a:schemeClr val="lt1"/>
+            </a:fontRef>
+          </p:style>
+          <p:txBody>
+            <a:bodyPr rtlCol="0" anchor="ctr"/>
+            <a:lstStyle/>
+            <a:p>
+              <a:pPr algn="ctr"/>
+              <a:r>
+                <a:rPr lang="en-US" sz="8000" dirty="0"/>
+                <a:t>J.L. Inc.</a:t>
+              </a:r>
+              <a:endParaRPr lang="pt-BR" sz="8000" dirty="0"/>
+            </a:p>
+          </p:txBody>
+        </p:sp>
+        <p:pic>
+          <p:nvPicPr>
+            <p:cNvPr id="8" name="Imagem 7">
+              <a:extLst>
+                <a:ext uri="{FF2B5EF4-FFF2-40B4-BE49-F238E27FC236}">
+                  <a16:creationId xmlns:a16="http://schemas.microsoft.com/office/drawing/2014/main" id="{1B27DCBA-2D0B-4FC5-A0B2-A22512C4F439}"/>
+                </a:ext>
+              </a:extLst>
+            </p:cNvPr>
+            <p:cNvPicPr>
+              <a:picLocks noChangeAspect="1"/>
+            </p:cNvPicPr>
+            <p:nvPr/>
+          </p:nvPicPr>
+          <p:blipFill>
+            <a:blip r:embed="rId2">
+              <a:extLst>
+                <a:ext uri="{28A0092B-C50C-407E-A947-70E740481C1C}">
+                  <a14:useLocalDpi xmlns:a14="http://schemas.microsoft.com/office/drawing/2010/main" val="0"/>
+                </a:ext>
+              </a:extLst>
+            </a:blip>
+            <a:stretch>
+              <a:fillRect/>
+            </a:stretch>
+          </p:blipFill>
+          <p:spPr>
+            <a:xfrm>
+              <a:off x="497150" y="1242318"/>
+              <a:ext cx="2788876" cy="951021"/>
+            </a:xfrm>
+            <a:prstGeom prst="rect">
+              <a:avLst/>
+            </a:prstGeom>
+          </p:spPr>
+        </p:pic>
+        <p:sp>
+          <p:nvSpPr>
+            <p:cNvPr id="9" name="Retângulo 8">
+              <a:extLst>
+                <a:ext uri="{FF2B5EF4-FFF2-40B4-BE49-F238E27FC236}">
+                  <a16:creationId xmlns:a16="http://schemas.microsoft.com/office/drawing/2014/main" id="{B2154AC8-329F-45F9-BFC4-F67BB0B85A40}"/>
+                </a:ext>
+              </a:extLst>
+            </p:cNvPr>
+            <p:cNvSpPr/>
+            <p:nvPr/>
+          </p:nvSpPr>
+          <p:spPr>
+            <a:xfrm>
+              <a:off x="355473" y="3124939"/>
+              <a:ext cx="2467625" cy="3480047"/>
+            </a:xfrm>
+            <a:prstGeom prst="rect">
+              <a:avLst/>
+            </a:prstGeom>
             <a:solidFill>
+              <a:schemeClr val="bg2">
+                <a:lumMod val="75000"/>
+              </a:schemeClr>
+            </a:solidFill>
+          </p:spPr>
+          <p:style>
+            <a:lnRef idx="2">
+              <a:schemeClr val="accent1">
+                <a:shade val="50000"/>
+              </a:schemeClr>
+            </a:lnRef>
+            <a:fillRef idx="1">
+              <a:schemeClr val="accent1"/>
+            </a:fillRef>
+            <a:effectRef idx="0">
+              <a:schemeClr val="accent1"/>
+            </a:effectRef>
+            <a:fontRef idx="minor">
+              <a:schemeClr val="lt1"/>
+            </a:fontRef>
+          </p:style>
+          <p:txBody>
+            <a:bodyPr rtlCol="0" anchor="ctr"/>
+            <a:lstStyle/>
+            <a:p>
+              <a:pPr algn="ctr"/>
+              <a:endParaRPr lang="pt-BR" dirty="0"/>
+            </a:p>
+          </p:txBody>
+        </p:sp>
+        <p:sp>
+          <p:nvSpPr>
+            <p:cNvPr id="3" name="Retângulo 2">
+              <a:extLst>
+                <a:ext uri="{FF2B5EF4-FFF2-40B4-BE49-F238E27FC236}">
+                  <a16:creationId xmlns:a16="http://schemas.microsoft.com/office/drawing/2014/main" id="{B75382E8-9FE7-42D5-AD58-1AF2D1A0ED62}"/>
+                </a:ext>
+              </a:extLst>
+            </p:cNvPr>
+            <p:cNvSpPr/>
+            <p:nvPr/>
+          </p:nvSpPr>
+          <p:spPr>
+            <a:xfrm>
+              <a:off x="355473" y="2357022"/>
+              <a:ext cx="2458748" cy="803428"/>
+            </a:xfrm>
+            <a:prstGeom prst="rect">
+              <a:avLst/>
+            </a:prstGeom>
+            <a:solidFill>
+              <a:schemeClr val="bg2">
+                <a:lumMod val="50000"/>
+              </a:schemeClr>
+            </a:solidFill>
+            <a:ln>
+              <a:solidFill>
+                <a:schemeClr val="tx1"/>
+              </a:solidFill>
+            </a:ln>
+          </p:spPr>
+          <p:style>
+            <a:lnRef idx="2">
+              <a:schemeClr val="accent1">
+                <a:shade val="50000"/>
+              </a:schemeClr>
+            </a:lnRef>
+            <a:fillRef idx="1">
+              <a:schemeClr val="accent1"/>
+            </a:fillRef>
+            <a:effectRef idx="0">
+              <a:schemeClr val="accent1"/>
+            </a:effectRef>
+            <a:fontRef idx="minor">
+              <a:schemeClr val="lt1"/>
+            </a:fontRef>
+          </p:style>
+          <p:txBody>
+            <a:bodyPr rtlCol="0" anchor="ctr"/>
+            <a:lstStyle/>
+            <a:p>
+              <a:pPr algn="ctr"/>
+              <a:endParaRPr lang="pt-BR"/>
+            </a:p>
+          </p:txBody>
+        </p:sp>
+        <p:cxnSp>
+          <p:nvCxnSpPr>
+            <p:cNvPr id="11" name="Conector reto 10">
+              <a:extLst>
+                <a:ext uri="{FF2B5EF4-FFF2-40B4-BE49-F238E27FC236}">
+                  <a16:creationId xmlns:a16="http://schemas.microsoft.com/office/drawing/2014/main" id="{CCD41CB5-A660-4F58-A2D7-0C7CA9C802E6}"/>
+                </a:ext>
+              </a:extLst>
+            </p:cNvPr>
+            <p:cNvCxnSpPr/>
+            <p:nvPr/>
+          </p:nvCxnSpPr>
+          <p:spPr>
+            <a:xfrm>
+              <a:off x="417615" y="2547891"/>
+              <a:ext cx="2325583" cy="0"/>
+            </a:xfrm>
+            <a:prstGeom prst="line">
+              <a:avLst/>
+            </a:prstGeom>
+            <a:ln>
+              <a:solidFill>
+                <a:schemeClr val="tx1"/>
+              </a:solidFill>
+            </a:ln>
+          </p:spPr>
+          <p:style>
+            <a:lnRef idx="1">
+              <a:schemeClr val="accent1"/>
+            </a:lnRef>
+            <a:fillRef idx="0">
+              <a:schemeClr val="accent1"/>
+            </a:fillRef>
+            <a:effectRef idx="0">
+              <a:schemeClr val="accent1"/>
+            </a:effectRef>
+            <a:fontRef idx="minor">
               <a:schemeClr val="tx1"/>
+            </a:fontRef>
+          </p:style>
+        </p:cxnSp>
+        <p:cxnSp>
+          <p:nvCxnSpPr>
+            <p:cNvPr id="12" name="Conector reto 11">
+              <a:extLst>
+                <a:ext uri="{FF2B5EF4-FFF2-40B4-BE49-F238E27FC236}">
+                  <a16:creationId xmlns:a16="http://schemas.microsoft.com/office/drawing/2014/main" id="{110D648F-F5FD-4BB9-AF6F-F5A0EB231283}"/>
+                </a:ext>
+              </a:extLst>
+            </p:cNvPr>
+            <p:cNvCxnSpPr/>
+            <p:nvPr/>
+          </p:nvCxnSpPr>
+          <p:spPr>
+            <a:xfrm>
+              <a:off x="417615" y="2751338"/>
+              <a:ext cx="2325583" cy="0"/>
+            </a:xfrm>
+            <a:prstGeom prst="line">
+              <a:avLst/>
+            </a:prstGeom>
+            <a:ln>
+              <a:solidFill>
+                <a:schemeClr val="tx1"/>
+              </a:solidFill>
+            </a:ln>
+          </p:spPr>
+          <p:style>
+            <a:lnRef idx="1">
+              <a:schemeClr val="accent1"/>
+            </a:lnRef>
+            <a:fillRef idx="0">
+              <a:schemeClr val="accent1"/>
+            </a:fillRef>
+            <a:effectRef idx="0">
+              <a:schemeClr val="accent1"/>
+            </a:effectRef>
+            <a:fontRef idx="minor">
+              <a:schemeClr val="tx1"/>
+            </a:fontRef>
+          </p:style>
+        </p:cxnSp>
+        <p:cxnSp>
+          <p:nvCxnSpPr>
+            <p:cNvPr id="13" name="Conector reto 12">
+              <a:extLst>
+                <a:ext uri="{FF2B5EF4-FFF2-40B4-BE49-F238E27FC236}">
+                  <a16:creationId xmlns:a16="http://schemas.microsoft.com/office/drawing/2014/main" id="{C781B1DC-0033-4DD2-8D87-D94767430CC1}"/>
+                </a:ext>
+              </a:extLst>
+            </p:cNvPr>
+            <p:cNvCxnSpPr/>
+            <p:nvPr/>
+          </p:nvCxnSpPr>
+          <p:spPr>
+            <a:xfrm>
+              <a:off x="417616" y="2939988"/>
+              <a:ext cx="2325583" cy="0"/>
+            </a:xfrm>
+            <a:prstGeom prst="line">
+              <a:avLst/>
+            </a:prstGeom>
+            <a:ln>
+              <a:solidFill>
+                <a:schemeClr val="tx1"/>
+              </a:solidFill>
+            </a:ln>
+          </p:spPr>
+          <p:style>
+            <a:lnRef idx="1">
+              <a:schemeClr val="accent1"/>
+            </a:lnRef>
+            <a:fillRef idx="0">
+              <a:schemeClr val="accent1"/>
+            </a:fillRef>
+            <a:effectRef idx="0">
+              <a:schemeClr val="accent1"/>
+            </a:effectRef>
+            <a:fontRef idx="minor">
+              <a:schemeClr val="tx1"/>
+            </a:fontRef>
+          </p:style>
+        </p:cxnSp>
+        <p:sp>
+          <p:nvSpPr>
+            <p:cNvPr id="14" name="Retângulo 13">
+              <a:extLst>
+                <a:ext uri="{FF2B5EF4-FFF2-40B4-BE49-F238E27FC236}">
+                  <a16:creationId xmlns:a16="http://schemas.microsoft.com/office/drawing/2014/main" id="{C3DE7D08-7FB6-4892-8D48-AC13CDB5C17C}"/>
+                </a:ext>
+              </a:extLst>
+            </p:cNvPr>
+            <p:cNvSpPr/>
+            <p:nvPr/>
+          </p:nvSpPr>
+          <p:spPr>
+            <a:xfrm>
+              <a:off x="3364637" y="2627790"/>
+              <a:ext cx="3142695" cy="1704513"/>
+            </a:xfrm>
+            <a:prstGeom prst="rect">
+              <a:avLst/>
+            </a:prstGeom>
+            <a:solidFill>
+              <a:schemeClr val="bg1"/>
             </a:solidFill>
-          </a:ln>
-        </p:spPr>
-        <p:style>
-          <a:lnRef idx="2">
-            <a:schemeClr val="accent1">
-              <a:shade val="50000"/>
-            </a:schemeClr>
-          </a:lnRef>
-          <a:fillRef idx="1">
-            <a:schemeClr val="accent1"/>
-          </a:fillRef>
-          <a:effectRef idx="0">
-            <a:schemeClr val="accent1"/>
-          </a:effectRef>
-          <a:fontRef idx="minor">
-            <a:schemeClr val="lt1"/>
-          </a:fontRef>
-        </p:style>
-        <p:txBody>
-          <a:bodyPr rtlCol="0" anchor="ctr"/>
-          <a:lstStyle/>
-          <a:p>
-            <a:pPr algn="ctr"/>
-            <a:endParaRPr lang="pt-BR"/>
-          </a:p>
-        </p:txBody>
-      </p:sp>
-      <p:cxnSp>
-        <p:nvCxnSpPr>
-          <p:cNvPr id="11" name="Conector reto 10">
-            <a:extLst>
-              <a:ext uri="{FF2B5EF4-FFF2-40B4-BE49-F238E27FC236}">
-                <a16:creationId xmlns:a16="http://schemas.microsoft.com/office/drawing/2014/main" id="{CCD41CB5-A660-4F58-A2D7-0C7CA9C802E6}"/>
-              </a:ext>
-            </a:extLst>
-          </p:cNvPr>
-          <p:cNvCxnSpPr/>
-          <p:nvPr/>
-        </p:nvCxnSpPr>
-        <p:spPr>
-          <a:xfrm>
-            <a:off x="417615" y="2547891"/>
-            <a:ext cx="2325583" cy="0"/>
-          </a:xfrm>
-          <a:prstGeom prst="line">
-            <a:avLst/>
-          </a:prstGeom>
-          <a:ln>
+          </p:spPr>
+          <p:style>
+            <a:lnRef idx="2">
+              <a:schemeClr val="accent1">
+                <a:shade val="50000"/>
+              </a:schemeClr>
+            </a:lnRef>
+            <a:fillRef idx="1">
+              <a:schemeClr val="accent1"/>
+            </a:fillRef>
+            <a:effectRef idx="0">
+              <a:schemeClr val="accent1"/>
+            </a:effectRef>
+            <a:fontRef idx="minor">
+              <a:schemeClr val="lt1"/>
+            </a:fontRef>
+          </p:style>
+          <p:txBody>
+            <a:bodyPr rtlCol="0" anchor="ctr"/>
+            <a:lstStyle/>
+            <a:p>
+              <a:pPr algn="ctr"/>
+              <a:endParaRPr lang="pt-BR"/>
+            </a:p>
+          </p:txBody>
+        </p:sp>
+        <p:sp>
+          <p:nvSpPr>
+            <p:cNvPr id="15" name="Retângulo 14">
+              <a:extLst>
+                <a:ext uri="{FF2B5EF4-FFF2-40B4-BE49-F238E27FC236}">
+                  <a16:creationId xmlns:a16="http://schemas.microsoft.com/office/drawing/2014/main" id="{887311BA-01B1-4A30-A71F-E7E184310AB8}"/>
+                </a:ext>
+              </a:extLst>
+            </p:cNvPr>
+            <p:cNvSpPr/>
+            <p:nvPr/>
+          </p:nvSpPr>
+          <p:spPr>
+            <a:xfrm>
+              <a:off x="3340593" y="4603071"/>
+              <a:ext cx="3142695" cy="1704513"/>
+            </a:xfrm>
+            <a:prstGeom prst="rect">
+              <a:avLst/>
+            </a:prstGeom>
             <a:solidFill>
-              <a:schemeClr val="tx1"/>
+              <a:schemeClr val="bg1"/>
             </a:solidFill>
-          </a:ln>
-        </p:spPr>
-        <p:style>
-          <a:lnRef idx="1">
-            <a:schemeClr val="accent1"/>
-          </a:lnRef>
-          <a:fillRef idx="0">
-            <a:schemeClr val="accent1"/>
-          </a:fillRef>
-          <a:effectRef idx="0">
-            <a:schemeClr val="accent1"/>
-          </a:effectRef>
-          <a:fontRef idx="minor">
-            <a:schemeClr val="tx1"/>
-          </a:fontRef>
-        </p:style>
-      </p:cxnSp>
-      <p:cxnSp>
-        <p:nvCxnSpPr>
-          <p:cNvPr id="12" name="Conector reto 11">
-            <a:extLst>
-              <a:ext uri="{FF2B5EF4-FFF2-40B4-BE49-F238E27FC236}">
-                <a16:creationId xmlns:a16="http://schemas.microsoft.com/office/drawing/2014/main" id="{110D648F-F5FD-4BB9-AF6F-F5A0EB231283}"/>
-              </a:ext>
-            </a:extLst>
-          </p:cNvPr>
-          <p:cNvCxnSpPr/>
-          <p:nvPr/>
-        </p:nvCxnSpPr>
-        <p:spPr>
-          <a:xfrm>
-            <a:off x="417615" y="2751338"/>
-            <a:ext cx="2325583" cy="0"/>
-          </a:xfrm>
-          <a:prstGeom prst="line">
-            <a:avLst/>
-          </a:prstGeom>
-          <a:ln>
+          </p:spPr>
+          <p:style>
+            <a:lnRef idx="2">
+              <a:schemeClr val="accent1">
+                <a:shade val="50000"/>
+              </a:schemeClr>
+            </a:lnRef>
+            <a:fillRef idx="1">
+              <a:schemeClr val="accent1"/>
+            </a:fillRef>
+            <a:effectRef idx="0">
+              <a:schemeClr val="accent1"/>
+            </a:effectRef>
+            <a:fontRef idx="minor">
+              <a:schemeClr val="lt1"/>
+            </a:fontRef>
+          </p:style>
+          <p:txBody>
+            <a:bodyPr rtlCol="0" anchor="ctr"/>
+            <a:lstStyle/>
+            <a:p>
+              <a:pPr algn="ctr"/>
+              <a:endParaRPr lang="pt-BR"/>
+            </a:p>
+          </p:txBody>
+        </p:sp>
+        <p:sp>
+          <p:nvSpPr>
+            <p:cNvPr id="16" name="Retângulo 15">
+              <a:extLst>
+                <a:ext uri="{FF2B5EF4-FFF2-40B4-BE49-F238E27FC236}">
+                  <a16:creationId xmlns:a16="http://schemas.microsoft.com/office/drawing/2014/main" id="{4AA8AE91-704D-4874-885D-4D93CF1E08A2}"/>
+                </a:ext>
+              </a:extLst>
+            </p:cNvPr>
+            <p:cNvSpPr/>
+            <p:nvPr/>
+          </p:nvSpPr>
+          <p:spPr>
+            <a:xfrm>
+              <a:off x="7458723" y="2627790"/>
+              <a:ext cx="3142695" cy="1704513"/>
+            </a:xfrm>
+            <a:prstGeom prst="rect">
+              <a:avLst/>
+            </a:prstGeom>
             <a:solidFill>
-              <a:schemeClr val="tx1"/>
+              <a:schemeClr val="bg1"/>
             </a:solidFill>
-          </a:ln>
-        </p:spPr>
-        <p:style>
-          <a:lnRef idx="1">
-            <a:schemeClr val="accent1"/>
-          </a:lnRef>
-          <a:fillRef idx="0">
-            <a:schemeClr val="accent1"/>
-          </a:fillRef>
-          <a:effectRef idx="0">
-            <a:schemeClr val="accent1"/>
-          </a:effectRef>
-          <a:fontRef idx="minor">
-            <a:schemeClr val="tx1"/>
-          </a:fontRef>
-        </p:style>
-      </p:cxnSp>
-      <p:cxnSp>
-        <p:nvCxnSpPr>
-          <p:cNvPr id="13" name="Conector reto 12">
-            <a:extLst>
-              <a:ext uri="{FF2B5EF4-FFF2-40B4-BE49-F238E27FC236}">
-                <a16:creationId xmlns:a16="http://schemas.microsoft.com/office/drawing/2014/main" id="{C781B1DC-0033-4DD2-8D87-D94767430CC1}"/>
-              </a:ext>
-            </a:extLst>
-          </p:cNvPr>
-          <p:cNvCxnSpPr/>
-          <p:nvPr/>
-        </p:nvCxnSpPr>
-        <p:spPr>
-          <a:xfrm>
-            <a:off x="417616" y="2939988"/>
-            <a:ext cx="2325583" cy="0"/>
-          </a:xfrm>
-          <a:prstGeom prst="line">
-            <a:avLst/>
-          </a:prstGeom>
-          <a:ln>
+          </p:spPr>
+          <p:style>
+            <a:lnRef idx="2">
+              <a:schemeClr val="accent1">
+                <a:shade val="50000"/>
+              </a:schemeClr>
+            </a:lnRef>
+            <a:fillRef idx="1">
+              <a:schemeClr val="accent1"/>
+            </a:fillRef>
+            <a:effectRef idx="0">
+              <a:schemeClr val="accent1"/>
+            </a:effectRef>
+            <a:fontRef idx="minor">
+              <a:schemeClr val="lt1"/>
+            </a:fontRef>
+          </p:style>
+          <p:txBody>
+            <a:bodyPr rtlCol="0" anchor="ctr"/>
+            <a:lstStyle/>
+            <a:p>
+              <a:pPr algn="ctr"/>
+              <a:endParaRPr lang="pt-BR"/>
+            </a:p>
+          </p:txBody>
+        </p:sp>
+        <p:sp>
+          <p:nvSpPr>
+            <p:cNvPr id="17" name="Retângulo 16">
+              <a:extLst>
+                <a:ext uri="{FF2B5EF4-FFF2-40B4-BE49-F238E27FC236}">
+                  <a16:creationId xmlns:a16="http://schemas.microsoft.com/office/drawing/2014/main" id="{7FB6A657-D8CE-4701-9E2B-30FC88C1A433}"/>
+                </a:ext>
+              </a:extLst>
+            </p:cNvPr>
+            <p:cNvSpPr/>
+            <p:nvPr/>
+          </p:nvSpPr>
+          <p:spPr>
+            <a:xfrm>
+              <a:off x="7485539" y="4603070"/>
+              <a:ext cx="3142695" cy="1704513"/>
+            </a:xfrm>
+            <a:prstGeom prst="rect">
+              <a:avLst/>
+            </a:prstGeom>
             <a:solidFill>
-              <a:schemeClr val="tx1"/>
+              <a:schemeClr val="bg1"/>
             </a:solidFill>
-          </a:ln>
-        </p:spPr>
-        <p:style>
-          <a:lnRef idx="1">
-            <a:schemeClr val="accent1"/>
-          </a:lnRef>
-          <a:fillRef idx="0">
-            <a:schemeClr val="accent1"/>
-          </a:fillRef>
-          <a:effectRef idx="0">
-            <a:schemeClr val="accent1"/>
-          </a:effectRef>
-          <a:fontRef idx="minor">
-            <a:schemeClr val="tx1"/>
-          </a:fontRef>
-        </p:style>
-      </p:cxnSp>
-      <p:sp>
-        <p:nvSpPr>
-          <p:cNvPr id="14" name="Retângulo 13">
-            <a:extLst>
-              <a:ext uri="{FF2B5EF4-FFF2-40B4-BE49-F238E27FC236}">
-                <a16:creationId xmlns:a16="http://schemas.microsoft.com/office/drawing/2014/main" id="{C3DE7D08-7FB6-4892-8D48-AC13CDB5C17C}"/>
-              </a:ext>
-            </a:extLst>
-          </p:cNvPr>
-          <p:cNvSpPr/>
-          <p:nvPr/>
-        </p:nvSpPr>
-        <p:spPr>
-          <a:xfrm>
-            <a:off x="3364637" y="2627790"/>
-            <a:ext cx="3142695" cy="1704513"/>
-          </a:xfrm>
-          <a:prstGeom prst="rect">
-            <a:avLst/>
-          </a:prstGeom>
-          <a:solidFill>
-            <a:schemeClr val="bg1"/>
-          </a:solidFill>
-        </p:spPr>
-        <p:style>
-          <a:lnRef idx="2">
-            <a:schemeClr val="accent1">
-              <a:shade val="50000"/>
-            </a:schemeClr>
-          </a:lnRef>
-          <a:fillRef idx="1">
-            <a:schemeClr val="accent1"/>
-          </a:fillRef>
-          <a:effectRef idx="0">
-            <a:schemeClr val="accent1"/>
-          </a:effectRef>
-          <a:fontRef idx="minor">
-            <a:schemeClr val="lt1"/>
-          </a:fontRef>
-        </p:style>
-        <p:txBody>
-          <a:bodyPr rtlCol="0" anchor="ctr"/>
-          <a:lstStyle/>
-          <a:p>
-            <a:pPr algn="ctr"/>
-            <a:endParaRPr lang="pt-BR"/>
-          </a:p>
-        </p:txBody>
-      </p:sp>
-      <p:sp>
-        <p:nvSpPr>
-          <p:cNvPr id="15" name="Retângulo 14">
-            <a:extLst>
-              <a:ext uri="{FF2B5EF4-FFF2-40B4-BE49-F238E27FC236}">
-                <a16:creationId xmlns:a16="http://schemas.microsoft.com/office/drawing/2014/main" id="{887311BA-01B1-4A30-A71F-E7E184310AB8}"/>
-              </a:ext>
-            </a:extLst>
-          </p:cNvPr>
-          <p:cNvSpPr/>
-          <p:nvPr/>
-        </p:nvSpPr>
-        <p:spPr>
-          <a:xfrm>
-            <a:off x="3340593" y="4603071"/>
-            <a:ext cx="3142695" cy="1704513"/>
-          </a:xfrm>
-          <a:prstGeom prst="rect">
-            <a:avLst/>
-          </a:prstGeom>
-          <a:solidFill>
-            <a:schemeClr val="bg1"/>
-          </a:solidFill>
-        </p:spPr>
-        <p:style>
-          <a:lnRef idx="2">
-            <a:schemeClr val="accent1">
-              <a:shade val="50000"/>
-            </a:schemeClr>
-          </a:lnRef>
-          <a:fillRef idx="1">
-            <a:schemeClr val="accent1"/>
-          </a:fillRef>
-          <a:effectRef idx="0">
-            <a:schemeClr val="accent1"/>
-          </a:effectRef>
-          <a:fontRef idx="minor">
-            <a:schemeClr val="lt1"/>
-          </a:fontRef>
-        </p:style>
-        <p:txBody>
-          <a:bodyPr rtlCol="0" anchor="ctr"/>
-          <a:lstStyle/>
-          <a:p>
-            <a:pPr algn="ctr"/>
-            <a:endParaRPr lang="pt-BR"/>
-          </a:p>
-        </p:txBody>
-      </p:sp>
-      <p:sp>
-        <p:nvSpPr>
-          <p:cNvPr id="16" name="Retângulo 15">
-            <a:extLst>
-              <a:ext uri="{FF2B5EF4-FFF2-40B4-BE49-F238E27FC236}">
-                <a16:creationId xmlns:a16="http://schemas.microsoft.com/office/drawing/2014/main" id="{4AA8AE91-704D-4874-885D-4D93CF1E08A2}"/>
-              </a:ext>
-            </a:extLst>
-          </p:cNvPr>
-          <p:cNvSpPr/>
-          <p:nvPr/>
-        </p:nvSpPr>
-        <p:spPr>
-          <a:xfrm>
-            <a:off x="7458723" y="2627790"/>
-            <a:ext cx="3142695" cy="1704513"/>
-          </a:xfrm>
-          <a:prstGeom prst="rect">
-            <a:avLst/>
-          </a:prstGeom>
-          <a:solidFill>
-            <a:schemeClr val="bg1"/>
-          </a:solidFill>
-        </p:spPr>
-        <p:style>
-          <a:lnRef idx="2">
-            <a:schemeClr val="accent1">
-              <a:shade val="50000"/>
-            </a:schemeClr>
-          </a:lnRef>
-          <a:fillRef idx="1">
-            <a:schemeClr val="accent1"/>
-          </a:fillRef>
-          <a:effectRef idx="0">
-            <a:schemeClr val="accent1"/>
-          </a:effectRef>
-          <a:fontRef idx="minor">
-            <a:schemeClr val="lt1"/>
-          </a:fontRef>
-        </p:style>
-        <p:txBody>
-          <a:bodyPr rtlCol="0" anchor="ctr"/>
-          <a:lstStyle/>
-          <a:p>
-            <a:pPr algn="ctr"/>
-            <a:endParaRPr lang="pt-BR"/>
-          </a:p>
-        </p:txBody>
-      </p:sp>
-      <p:sp>
-        <p:nvSpPr>
-          <p:cNvPr id="17" name="Retângulo 16">
-            <a:extLst>
-              <a:ext uri="{FF2B5EF4-FFF2-40B4-BE49-F238E27FC236}">
-                <a16:creationId xmlns:a16="http://schemas.microsoft.com/office/drawing/2014/main" id="{7FB6A657-D8CE-4701-9E2B-30FC88C1A433}"/>
-              </a:ext>
-            </a:extLst>
-          </p:cNvPr>
-          <p:cNvSpPr/>
-          <p:nvPr/>
-        </p:nvSpPr>
-        <p:spPr>
-          <a:xfrm>
-            <a:off x="7485539" y="4603070"/>
-            <a:ext cx="3142695" cy="1704513"/>
-          </a:xfrm>
-          <a:prstGeom prst="rect">
-            <a:avLst/>
-          </a:prstGeom>
-          <a:solidFill>
-            <a:schemeClr val="bg1"/>
-          </a:solidFill>
-        </p:spPr>
-        <p:style>
-          <a:lnRef idx="2">
-            <a:schemeClr val="accent1">
-              <a:shade val="50000"/>
-            </a:schemeClr>
-          </a:lnRef>
-          <a:fillRef idx="1">
-            <a:schemeClr val="accent1"/>
-          </a:fillRef>
-          <a:effectRef idx="0">
-            <a:schemeClr val="accent1"/>
-          </a:effectRef>
-          <a:fontRef idx="minor">
-            <a:schemeClr val="lt1"/>
-          </a:fontRef>
-        </p:style>
-        <p:txBody>
-          <a:bodyPr rtlCol="0" anchor="ctr"/>
-          <a:lstStyle/>
-          <a:p>
-            <a:pPr algn="ctr"/>
-            <a:endParaRPr lang="pt-BR"/>
-          </a:p>
-        </p:txBody>
-      </p:sp>
-      <p:sp>
-        <p:nvSpPr>
-          <p:cNvPr id="18" name="Retângulo 17">
-            <a:extLst>
-              <a:ext uri="{FF2B5EF4-FFF2-40B4-BE49-F238E27FC236}">
-                <a16:creationId xmlns:a16="http://schemas.microsoft.com/office/drawing/2014/main" id="{A6AAD802-17C1-49C3-8339-294C73E8A591}"/>
-              </a:ext>
-            </a:extLst>
-          </p:cNvPr>
-          <p:cNvSpPr/>
-          <p:nvPr/>
-        </p:nvSpPr>
-        <p:spPr>
-          <a:xfrm>
-            <a:off x="3364637" y="3675355"/>
-            <a:ext cx="3142695" cy="656948"/>
-          </a:xfrm>
-          <a:prstGeom prst="rect">
-            <a:avLst/>
-          </a:prstGeom>
-          <a:solidFill>
-            <a:schemeClr val="tx1">
-              <a:lumMod val="85000"/>
-              <a:lumOff val="15000"/>
-            </a:schemeClr>
-          </a:solidFill>
-          <a:ln>
+          </p:spPr>
+          <p:style>
+            <a:lnRef idx="2">
+              <a:schemeClr val="accent1">
+                <a:shade val="50000"/>
+              </a:schemeClr>
+            </a:lnRef>
+            <a:fillRef idx="1">
+              <a:schemeClr val="accent1"/>
+            </a:fillRef>
+            <a:effectRef idx="0">
+              <a:schemeClr val="accent1"/>
+            </a:effectRef>
+            <a:fontRef idx="minor">
+              <a:schemeClr val="lt1"/>
+            </a:fontRef>
+          </p:style>
+          <p:txBody>
+            <a:bodyPr rtlCol="0" anchor="ctr"/>
+            <a:lstStyle/>
+            <a:p>
+              <a:pPr algn="ctr"/>
+              <a:endParaRPr lang="pt-BR"/>
+            </a:p>
+          </p:txBody>
+        </p:sp>
+        <p:sp>
+          <p:nvSpPr>
+            <p:cNvPr id="18" name="Retângulo 17">
+              <a:extLst>
+                <a:ext uri="{FF2B5EF4-FFF2-40B4-BE49-F238E27FC236}">
+                  <a16:creationId xmlns:a16="http://schemas.microsoft.com/office/drawing/2014/main" id="{A6AAD802-17C1-49C3-8339-294C73E8A591}"/>
+                </a:ext>
+              </a:extLst>
+            </p:cNvPr>
+            <p:cNvSpPr/>
+            <p:nvPr/>
+          </p:nvSpPr>
+          <p:spPr>
+            <a:xfrm>
+              <a:off x="3364637" y="3675355"/>
+              <a:ext cx="3142695" cy="656948"/>
+            </a:xfrm>
+            <a:prstGeom prst="rect">
+              <a:avLst/>
+            </a:prstGeom>
             <a:solidFill>
-              <a:schemeClr val="tx1"/>
+              <a:schemeClr val="tx1">
+                <a:lumMod val="85000"/>
+                <a:lumOff val="15000"/>
+              </a:schemeClr>
             </a:solidFill>
-          </a:ln>
-        </p:spPr>
-        <p:style>
-          <a:lnRef idx="2">
-            <a:schemeClr val="accent1">
-              <a:shade val="50000"/>
-            </a:schemeClr>
-          </a:lnRef>
-          <a:fillRef idx="1">
-            <a:schemeClr val="accent1"/>
-          </a:fillRef>
-          <a:effectRef idx="0">
-            <a:schemeClr val="accent1"/>
-          </a:effectRef>
-          <a:fontRef idx="minor">
-            <a:schemeClr val="lt1"/>
-          </a:fontRef>
-        </p:style>
-        <p:txBody>
-          <a:bodyPr rtlCol="0" anchor="ctr"/>
-          <a:lstStyle/>
-          <a:p>
-            <a:pPr algn="ctr"/>
-            <a:endParaRPr lang="pt-BR"/>
-          </a:p>
-        </p:txBody>
-      </p:sp>
-      <p:sp>
-        <p:nvSpPr>
-          <p:cNvPr id="19" name="Retângulo 18">
-            <a:extLst>
-              <a:ext uri="{FF2B5EF4-FFF2-40B4-BE49-F238E27FC236}">
-                <a16:creationId xmlns:a16="http://schemas.microsoft.com/office/drawing/2014/main" id="{642F4023-57FF-43AB-B7D3-39616C8E1E14}"/>
-              </a:ext>
-            </a:extLst>
-          </p:cNvPr>
-          <p:cNvSpPr/>
-          <p:nvPr/>
-        </p:nvSpPr>
-        <p:spPr>
-          <a:xfrm>
-            <a:off x="3340593" y="5650635"/>
-            <a:ext cx="3142695" cy="656948"/>
-          </a:xfrm>
-          <a:prstGeom prst="rect">
-            <a:avLst/>
-          </a:prstGeom>
-          <a:solidFill>
-            <a:schemeClr val="tx1">
-              <a:lumMod val="85000"/>
-              <a:lumOff val="15000"/>
-            </a:schemeClr>
-          </a:solidFill>
-          <a:ln>
+            <a:ln>
+              <a:solidFill>
+                <a:schemeClr val="tx1"/>
+              </a:solidFill>
+            </a:ln>
+          </p:spPr>
+          <p:style>
+            <a:lnRef idx="2">
+              <a:schemeClr val="accent1">
+                <a:shade val="50000"/>
+              </a:schemeClr>
+            </a:lnRef>
+            <a:fillRef idx="1">
+              <a:schemeClr val="accent1"/>
+            </a:fillRef>
+            <a:effectRef idx="0">
+              <a:schemeClr val="accent1"/>
+            </a:effectRef>
+            <a:fontRef idx="minor">
+              <a:schemeClr val="lt1"/>
+            </a:fontRef>
+          </p:style>
+          <p:txBody>
+            <a:bodyPr rtlCol="0" anchor="ctr"/>
+            <a:lstStyle/>
+            <a:p>
+              <a:pPr algn="ctr"/>
+              <a:endParaRPr lang="pt-BR"/>
+            </a:p>
+          </p:txBody>
+        </p:sp>
+        <p:sp>
+          <p:nvSpPr>
+            <p:cNvPr id="19" name="Retângulo 18">
+              <a:extLst>
+                <a:ext uri="{FF2B5EF4-FFF2-40B4-BE49-F238E27FC236}">
+                  <a16:creationId xmlns:a16="http://schemas.microsoft.com/office/drawing/2014/main" id="{642F4023-57FF-43AB-B7D3-39616C8E1E14}"/>
+                </a:ext>
+              </a:extLst>
+            </p:cNvPr>
+            <p:cNvSpPr/>
+            <p:nvPr/>
+          </p:nvSpPr>
+          <p:spPr>
+            <a:xfrm>
+              <a:off x="3340593" y="5650635"/>
+              <a:ext cx="3142695" cy="656948"/>
+            </a:xfrm>
+            <a:prstGeom prst="rect">
+              <a:avLst/>
+            </a:prstGeom>
             <a:solidFill>
-              <a:schemeClr val="tx1"/>
+              <a:schemeClr val="tx1">
+                <a:lumMod val="85000"/>
+                <a:lumOff val="15000"/>
+              </a:schemeClr>
             </a:solidFill>
-          </a:ln>
-        </p:spPr>
-        <p:style>
-          <a:lnRef idx="2">
-            <a:schemeClr val="accent1">
-              <a:shade val="50000"/>
-            </a:schemeClr>
-          </a:lnRef>
-          <a:fillRef idx="1">
-            <a:schemeClr val="accent1"/>
-          </a:fillRef>
-          <a:effectRef idx="0">
-            <a:schemeClr val="accent1"/>
-          </a:effectRef>
-          <a:fontRef idx="minor">
-            <a:schemeClr val="lt1"/>
-          </a:fontRef>
-        </p:style>
-        <p:txBody>
-          <a:bodyPr rtlCol="0" anchor="ctr"/>
-          <a:lstStyle/>
-          <a:p>
-            <a:pPr algn="ctr"/>
-            <a:endParaRPr lang="pt-BR"/>
-          </a:p>
-        </p:txBody>
-      </p:sp>
-      <p:sp>
-        <p:nvSpPr>
-          <p:cNvPr id="20" name="Retângulo 19">
-            <a:extLst>
-              <a:ext uri="{FF2B5EF4-FFF2-40B4-BE49-F238E27FC236}">
-                <a16:creationId xmlns:a16="http://schemas.microsoft.com/office/drawing/2014/main" id="{4ACC1EE5-F6FF-40F4-8A61-4D494D0216CE}"/>
-              </a:ext>
-            </a:extLst>
-          </p:cNvPr>
-          <p:cNvSpPr/>
-          <p:nvPr/>
-        </p:nvSpPr>
-        <p:spPr>
-          <a:xfrm>
-            <a:off x="7458723" y="3675355"/>
-            <a:ext cx="3142695" cy="656948"/>
-          </a:xfrm>
-          <a:prstGeom prst="rect">
-            <a:avLst/>
-          </a:prstGeom>
-          <a:solidFill>
-            <a:schemeClr val="tx1">
-              <a:lumMod val="85000"/>
-              <a:lumOff val="15000"/>
-            </a:schemeClr>
-          </a:solidFill>
-          <a:ln>
+            <a:ln>
+              <a:solidFill>
+                <a:schemeClr val="tx1"/>
+              </a:solidFill>
+            </a:ln>
+          </p:spPr>
+          <p:style>
+            <a:lnRef idx="2">
+              <a:schemeClr val="accent1">
+                <a:shade val="50000"/>
+              </a:schemeClr>
+            </a:lnRef>
+            <a:fillRef idx="1">
+              <a:schemeClr val="accent1"/>
+            </a:fillRef>
+            <a:effectRef idx="0">
+              <a:schemeClr val="accent1"/>
+            </a:effectRef>
+            <a:fontRef idx="minor">
+              <a:schemeClr val="lt1"/>
+            </a:fontRef>
+          </p:style>
+          <p:txBody>
+            <a:bodyPr rtlCol="0" anchor="ctr"/>
+            <a:lstStyle/>
+            <a:p>
+              <a:pPr algn="ctr"/>
+              <a:endParaRPr lang="pt-BR"/>
+            </a:p>
+          </p:txBody>
+        </p:sp>
+        <p:sp>
+          <p:nvSpPr>
+            <p:cNvPr id="20" name="Retângulo 19">
+              <a:extLst>
+                <a:ext uri="{FF2B5EF4-FFF2-40B4-BE49-F238E27FC236}">
+                  <a16:creationId xmlns:a16="http://schemas.microsoft.com/office/drawing/2014/main" id="{4ACC1EE5-F6FF-40F4-8A61-4D494D0216CE}"/>
+                </a:ext>
+              </a:extLst>
+            </p:cNvPr>
+            <p:cNvSpPr/>
+            <p:nvPr/>
+          </p:nvSpPr>
+          <p:spPr>
+            <a:xfrm>
+              <a:off x="7458723" y="3675355"/>
+              <a:ext cx="3142695" cy="656948"/>
+            </a:xfrm>
+            <a:prstGeom prst="rect">
+              <a:avLst/>
+            </a:prstGeom>
             <a:solidFill>
-              <a:schemeClr val="tx1"/>
+              <a:schemeClr val="tx1">
+                <a:lumMod val="85000"/>
+                <a:lumOff val="15000"/>
+              </a:schemeClr>
             </a:solidFill>
-          </a:ln>
-        </p:spPr>
-        <p:style>
-          <a:lnRef idx="2">
-            <a:schemeClr val="accent1">
-              <a:shade val="50000"/>
-            </a:schemeClr>
-          </a:lnRef>
-          <a:fillRef idx="1">
-            <a:schemeClr val="accent1"/>
-          </a:fillRef>
-          <a:effectRef idx="0">
-            <a:schemeClr val="accent1"/>
-          </a:effectRef>
-          <a:fontRef idx="minor">
-            <a:schemeClr val="lt1"/>
-          </a:fontRef>
-        </p:style>
-        <p:txBody>
-          <a:bodyPr rtlCol="0" anchor="ctr"/>
-          <a:lstStyle/>
-          <a:p>
-            <a:pPr algn="ctr"/>
-            <a:endParaRPr lang="pt-BR"/>
-          </a:p>
-        </p:txBody>
-      </p:sp>
-      <p:sp>
-        <p:nvSpPr>
-          <p:cNvPr id="21" name="Retângulo 20">
-            <a:extLst>
-              <a:ext uri="{FF2B5EF4-FFF2-40B4-BE49-F238E27FC236}">
-                <a16:creationId xmlns:a16="http://schemas.microsoft.com/office/drawing/2014/main" id="{9D1CF4B6-96A5-4B24-8951-6B60D622B68F}"/>
-              </a:ext>
-            </a:extLst>
-          </p:cNvPr>
-          <p:cNvSpPr/>
-          <p:nvPr/>
-        </p:nvSpPr>
-        <p:spPr>
-          <a:xfrm>
-            <a:off x="7485539" y="5650635"/>
-            <a:ext cx="3142695" cy="656948"/>
-          </a:xfrm>
-          <a:prstGeom prst="rect">
-            <a:avLst/>
-          </a:prstGeom>
-          <a:solidFill>
-            <a:schemeClr val="tx1">
-              <a:lumMod val="85000"/>
-              <a:lumOff val="15000"/>
-            </a:schemeClr>
-          </a:solidFill>
-          <a:ln>
+            <a:ln>
+              <a:solidFill>
+                <a:schemeClr val="tx1"/>
+              </a:solidFill>
+            </a:ln>
+          </p:spPr>
+          <p:style>
+            <a:lnRef idx="2">
+              <a:schemeClr val="accent1">
+                <a:shade val="50000"/>
+              </a:schemeClr>
+            </a:lnRef>
+            <a:fillRef idx="1">
+              <a:schemeClr val="accent1"/>
+            </a:fillRef>
+            <a:effectRef idx="0">
+              <a:schemeClr val="accent1"/>
+            </a:effectRef>
+            <a:fontRef idx="minor">
+              <a:schemeClr val="lt1"/>
+            </a:fontRef>
+          </p:style>
+          <p:txBody>
+            <a:bodyPr rtlCol="0" anchor="ctr"/>
+            <a:lstStyle/>
+            <a:p>
+              <a:pPr algn="ctr"/>
+              <a:endParaRPr lang="pt-BR"/>
+            </a:p>
+          </p:txBody>
+        </p:sp>
+        <p:sp>
+          <p:nvSpPr>
+            <p:cNvPr id="21" name="Retângulo 20">
+              <a:extLst>
+                <a:ext uri="{FF2B5EF4-FFF2-40B4-BE49-F238E27FC236}">
+                  <a16:creationId xmlns:a16="http://schemas.microsoft.com/office/drawing/2014/main" id="{9D1CF4B6-96A5-4B24-8951-6B60D622B68F}"/>
+                </a:ext>
+              </a:extLst>
+            </p:cNvPr>
+            <p:cNvSpPr/>
+            <p:nvPr/>
+          </p:nvSpPr>
+          <p:spPr>
+            <a:xfrm>
+              <a:off x="7485539" y="5650635"/>
+              <a:ext cx="3142695" cy="656948"/>
+            </a:xfrm>
+            <a:prstGeom prst="rect">
+              <a:avLst/>
+            </a:prstGeom>
             <a:solidFill>
-              <a:schemeClr val="tx1"/>
+              <a:schemeClr val="tx1">
+                <a:lumMod val="85000"/>
+                <a:lumOff val="15000"/>
+              </a:schemeClr>
             </a:solidFill>
-          </a:ln>
-        </p:spPr>
-        <p:style>
-          <a:lnRef idx="2">
-            <a:schemeClr val="accent1">
-              <a:shade val="50000"/>
-            </a:schemeClr>
-          </a:lnRef>
-          <a:fillRef idx="1">
-            <a:schemeClr val="accent1"/>
-          </a:fillRef>
-          <a:effectRef idx="0">
-            <a:schemeClr val="accent1"/>
-          </a:effectRef>
-          <a:fontRef idx="minor">
-            <a:schemeClr val="lt1"/>
-          </a:fontRef>
-        </p:style>
-        <p:txBody>
-          <a:bodyPr rtlCol="0" anchor="ctr"/>
-          <a:lstStyle/>
-          <a:p>
-            <a:pPr algn="ctr"/>
-            <a:endParaRPr lang="pt-BR"/>
-          </a:p>
-        </p:txBody>
-      </p:sp>
-      <p:sp>
-        <p:nvSpPr>
-          <p:cNvPr id="22" name="CaixaDeTexto 21">
-            <a:extLst>
-              <a:ext uri="{FF2B5EF4-FFF2-40B4-BE49-F238E27FC236}">
-                <a16:creationId xmlns:a16="http://schemas.microsoft.com/office/drawing/2014/main" id="{8F34910A-0533-4437-9EB6-AC9513BC654D}"/>
-              </a:ext>
-            </a:extLst>
-          </p:cNvPr>
-          <p:cNvSpPr txBox="1"/>
-          <p:nvPr/>
-        </p:nvSpPr>
-        <p:spPr>
-          <a:xfrm>
-            <a:off x="4536868" y="2966907"/>
-            <a:ext cx="798232" cy="369332"/>
-          </a:xfrm>
-          <a:prstGeom prst="rect">
-            <a:avLst/>
-          </a:prstGeom>
-          <a:noFill/>
-        </p:spPr>
-        <p:txBody>
-          <a:bodyPr wrap="none" rtlCol="0">
-            <a:spAutoFit/>
-          </a:bodyPr>
-          <a:lstStyle/>
-          <a:p>
-            <a:r>
-              <a:rPr lang="en-US" dirty="0">
+            <a:ln>
+              <a:solidFill>
+                <a:schemeClr val="tx1"/>
+              </a:solidFill>
+            </a:ln>
+          </p:spPr>
+          <p:style>
+            <a:lnRef idx="2">
+              <a:schemeClr val="accent1">
+                <a:shade val="50000"/>
+              </a:schemeClr>
+            </a:lnRef>
+            <a:fillRef idx="1">
+              <a:schemeClr val="accent1"/>
+            </a:fillRef>
+            <a:effectRef idx="0">
+              <a:schemeClr val="accent1"/>
+            </a:effectRef>
+            <a:fontRef idx="minor">
+              <a:schemeClr val="lt1"/>
+            </a:fontRef>
+          </p:style>
+          <p:txBody>
+            <a:bodyPr rtlCol="0" anchor="ctr"/>
+            <a:lstStyle/>
+            <a:p>
+              <a:pPr algn="ctr"/>
+              <a:endParaRPr lang="pt-BR"/>
+            </a:p>
+          </p:txBody>
+        </p:sp>
+        <p:sp>
+          <p:nvSpPr>
+            <p:cNvPr id="22" name="CaixaDeTexto 21">
+              <a:extLst>
+                <a:ext uri="{FF2B5EF4-FFF2-40B4-BE49-F238E27FC236}">
+                  <a16:creationId xmlns:a16="http://schemas.microsoft.com/office/drawing/2014/main" id="{8F34910A-0533-4437-9EB6-AC9513BC654D}"/>
+                </a:ext>
+              </a:extLst>
+            </p:cNvPr>
+            <p:cNvSpPr txBox="1"/>
+            <p:nvPr/>
+          </p:nvSpPr>
+          <p:spPr>
+            <a:xfrm>
+              <a:off x="4536868" y="2966907"/>
+              <a:ext cx="798232" cy="369332"/>
+            </a:xfrm>
+            <a:prstGeom prst="rect">
+              <a:avLst/>
+            </a:prstGeom>
+            <a:noFill/>
+          </p:spPr>
+          <p:txBody>
+            <a:bodyPr wrap="none" rtlCol="0">
+              <a:spAutoFit/>
+            </a:bodyPr>
+            <a:lstStyle/>
+            <a:p>
+              <a:r>
+                <a:rPr lang="en-US" dirty="0">
+                  <a:solidFill>
+                    <a:srgbClr val="FF0000"/>
+                  </a:solidFill>
+                </a:rPr>
+                <a:t>FOTOS</a:t>
+              </a:r>
+              <a:endParaRPr lang="pt-BR" dirty="0">
                 <a:solidFill>
                   <a:srgbClr val="FF0000"/>
                 </a:solidFill>
-              </a:rPr>
-              <a:t>FOTOS</a:t>
-            </a:r>
-            <a:endParaRPr lang="pt-BR" dirty="0">
-              <a:solidFill>
-                <a:srgbClr val="FF0000"/>
-              </a:solidFill>
-            </a:endParaRPr>
-          </a:p>
-        </p:txBody>
-      </p:sp>
-      <p:sp>
-        <p:nvSpPr>
-          <p:cNvPr id="23" name="CaixaDeTexto 22">
-            <a:extLst>
-              <a:ext uri="{FF2B5EF4-FFF2-40B4-BE49-F238E27FC236}">
-                <a16:creationId xmlns:a16="http://schemas.microsoft.com/office/drawing/2014/main" id="{E6771B49-2116-4943-B18D-B641871DED49}"/>
-              </a:ext>
-            </a:extLst>
-          </p:cNvPr>
-          <p:cNvSpPr txBox="1"/>
-          <p:nvPr/>
-        </p:nvSpPr>
-        <p:spPr>
-          <a:xfrm>
-            <a:off x="8657770" y="2966907"/>
-            <a:ext cx="798232" cy="369332"/>
-          </a:xfrm>
-          <a:prstGeom prst="rect">
-            <a:avLst/>
-          </a:prstGeom>
-          <a:noFill/>
-        </p:spPr>
-        <p:txBody>
-          <a:bodyPr wrap="none" rtlCol="0">
-            <a:spAutoFit/>
-          </a:bodyPr>
-          <a:lstStyle/>
-          <a:p>
-            <a:r>
-              <a:rPr lang="en-US" dirty="0">
+              </a:endParaRPr>
+            </a:p>
+          </p:txBody>
+        </p:sp>
+        <p:sp>
+          <p:nvSpPr>
+            <p:cNvPr id="23" name="CaixaDeTexto 22">
+              <a:extLst>
+                <a:ext uri="{FF2B5EF4-FFF2-40B4-BE49-F238E27FC236}">
+                  <a16:creationId xmlns:a16="http://schemas.microsoft.com/office/drawing/2014/main" id="{E6771B49-2116-4943-B18D-B641871DED49}"/>
+                </a:ext>
+              </a:extLst>
+            </p:cNvPr>
+            <p:cNvSpPr txBox="1"/>
+            <p:nvPr/>
+          </p:nvSpPr>
+          <p:spPr>
+            <a:xfrm>
+              <a:off x="8657770" y="2966907"/>
+              <a:ext cx="798232" cy="369332"/>
+            </a:xfrm>
+            <a:prstGeom prst="rect">
+              <a:avLst/>
+            </a:prstGeom>
+            <a:noFill/>
+          </p:spPr>
+          <p:txBody>
+            <a:bodyPr wrap="none" rtlCol="0">
+              <a:spAutoFit/>
+            </a:bodyPr>
+            <a:lstStyle/>
+            <a:p>
+              <a:r>
+                <a:rPr lang="en-US" dirty="0">
+                  <a:solidFill>
+                    <a:srgbClr val="FF0000"/>
+                  </a:solidFill>
+                </a:rPr>
+                <a:t>FOTOS</a:t>
+              </a:r>
+              <a:endParaRPr lang="pt-BR" dirty="0">
                 <a:solidFill>
                   <a:srgbClr val="FF0000"/>
                 </a:solidFill>
-              </a:rPr>
-              <a:t>FOTOS</a:t>
-            </a:r>
-            <a:endParaRPr lang="pt-BR" dirty="0">
-              <a:solidFill>
-                <a:srgbClr val="FF0000"/>
-              </a:solidFill>
-            </a:endParaRPr>
-          </a:p>
-        </p:txBody>
-      </p:sp>
-      <p:sp>
-        <p:nvSpPr>
-          <p:cNvPr id="24" name="CaixaDeTexto 23">
-            <a:extLst>
-              <a:ext uri="{FF2B5EF4-FFF2-40B4-BE49-F238E27FC236}">
-                <a16:creationId xmlns:a16="http://schemas.microsoft.com/office/drawing/2014/main" id="{9781BC2D-FD4F-459D-9947-0E74CA687B26}"/>
-              </a:ext>
-            </a:extLst>
-          </p:cNvPr>
-          <p:cNvSpPr txBox="1"/>
-          <p:nvPr/>
-        </p:nvSpPr>
-        <p:spPr>
-          <a:xfrm>
-            <a:off x="4512826" y="5105515"/>
-            <a:ext cx="798232" cy="369332"/>
-          </a:xfrm>
-          <a:prstGeom prst="rect">
-            <a:avLst/>
-          </a:prstGeom>
-          <a:noFill/>
-        </p:spPr>
-        <p:txBody>
-          <a:bodyPr wrap="none" rtlCol="0">
-            <a:spAutoFit/>
-          </a:bodyPr>
-          <a:lstStyle/>
-          <a:p>
-            <a:r>
-              <a:rPr lang="en-US" dirty="0">
+              </a:endParaRPr>
+            </a:p>
+          </p:txBody>
+        </p:sp>
+        <p:sp>
+          <p:nvSpPr>
+            <p:cNvPr id="24" name="CaixaDeTexto 23">
+              <a:extLst>
+                <a:ext uri="{FF2B5EF4-FFF2-40B4-BE49-F238E27FC236}">
+                  <a16:creationId xmlns:a16="http://schemas.microsoft.com/office/drawing/2014/main" id="{9781BC2D-FD4F-459D-9947-0E74CA687B26}"/>
+                </a:ext>
+              </a:extLst>
+            </p:cNvPr>
+            <p:cNvSpPr txBox="1"/>
+            <p:nvPr/>
+          </p:nvSpPr>
+          <p:spPr>
+            <a:xfrm>
+              <a:off x="4512826" y="5105515"/>
+              <a:ext cx="798232" cy="369332"/>
+            </a:xfrm>
+            <a:prstGeom prst="rect">
+              <a:avLst/>
+            </a:prstGeom>
+            <a:noFill/>
+          </p:spPr>
+          <p:txBody>
+            <a:bodyPr wrap="none" rtlCol="0">
+              <a:spAutoFit/>
+            </a:bodyPr>
+            <a:lstStyle/>
+            <a:p>
+              <a:r>
+                <a:rPr lang="en-US" dirty="0">
+                  <a:solidFill>
+                    <a:srgbClr val="FF0000"/>
+                  </a:solidFill>
+                </a:rPr>
+                <a:t>FOTOS</a:t>
+              </a:r>
+              <a:endParaRPr lang="pt-BR" dirty="0">
                 <a:solidFill>
                   <a:srgbClr val="FF0000"/>
                 </a:solidFill>
-              </a:rPr>
-              <a:t>FOTOS</a:t>
-            </a:r>
-            <a:endParaRPr lang="pt-BR" dirty="0">
-              <a:solidFill>
-                <a:srgbClr val="FF0000"/>
-              </a:solidFill>
-            </a:endParaRPr>
-          </a:p>
-        </p:txBody>
-      </p:sp>
-      <p:sp>
-        <p:nvSpPr>
-          <p:cNvPr id="25" name="CaixaDeTexto 24">
-            <a:extLst>
-              <a:ext uri="{FF2B5EF4-FFF2-40B4-BE49-F238E27FC236}">
-                <a16:creationId xmlns:a16="http://schemas.microsoft.com/office/drawing/2014/main" id="{72116014-4923-4D11-BA2B-B743B456EAAB}"/>
-              </a:ext>
-            </a:extLst>
-          </p:cNvPr>
-          <p:cNvSpPr txBox="1"/>
-          <p:nvPr/>
-        </p:nvSpPr>
-        <p:spPr>
-          <a:xfrm>
-            <a:off x="8657770" y="5105515"/>
-            <a:ext cx="798232" cy="369332"/>
-          </a:xfrm>
-          <a:prstGeom prst="rect">
-            <a:avLst/>
-          </a:prstGeom>
-          <a:noFill/>
-        </p:spPr>
-        <p:txBody>
-          <a:bodyPr wrap="none" rtlCol="0">
-            <a:spAutoFit/>
-          </a:bodyPr>
-          <a:lstStyle/>
-          <a:p>
-            <a:r>
-              <a:rPr lang="en-US" dirty="0">
+              </a:endParaRPr>
+            </a:p>
+          </p:txBody>
+        </p:sp>
+        <p:sp>
+          <p:nvSpPr>
+            <p:cNvPr id="25" name="CaixaDeTexto 24">
+              <a:extLst>
+                <a:ext uri="{FF2B5EF4-FFF2-40B4-BE49-F238E27FC236}">
+                  <a16:creationId xmlns:a16="http://schemas.microsoft.com/office/drawing/2014/main" id="{72116014-4923-4D11-BA2B-B743B456EAAB}"/>
+                </a:ext>
+              </a:extLst>
+            </p:cNvPr>
+            <p:cNvSpPr txBox="1"/>
+            <p:nvPr/>
+          </p:nvSpPr>
+          <p:spPr>
+            <a:xfrm>
+              <a:off x="8657770" y="5105515"/>
+              <a:ext cx="798232" cy="369332"/>
+            </a:xfrm>
+            <a:prstGeom prst="rect">
+              <a:avLst/>
+            </a:prstGeom>
+            <a:noFill/>
+          </p:spPr>
+          <p:txBody>
+            <a:bodyPr wrap="none" rtlCol="0">
+              <a:spAutoFit/>
+            </a:bodyPr>
+            <a:lstStyle/>
+            <a:p>
+              <a:r>
+                <a:rPr lang="en-US" dirty="0">
+                  <a:solidFill>
+                    <a:srgbClr val="FF0000"/>
+                  </a:solidFill>
+                </a:rPr>
+                <a:t>FOTOS</a:t>
+              </a:r>
+              <a:endParaRPr lang="pt-BR" dirty="0">
                 <a:solidFill>
                   <a:srgbClr val="FF0000"/>
                 </a:solidFill>
-              </a:rPr>
-              <a:t>FOTOS</a:t>
-            </a:r>
-            <a:endParaRPr lang="pt-BR" dirty="0">
-              <a:solidFill>
-                <a:srgbClr val="FF0000"/>
-              </a:solidFill>
-            </a:endParaRPr>
-          </a:p>
-        </p:txBody>
-      </p:sp>
-      <p:sp>
-        <p:nvSpPr>
-          <p:cNvPr id="26" name="CaixaDeTexto 25">
-            <a:extLst>
-              <a:ext uri="{FF2B5EF4-FFF2-40B4-BE49-F238E27FC236}">
-                <a16:creationId xmlns:a16="http://schemas.microsoft.com/office/drawing/2014/main" id="{69CAFF25-D4C5-49FD-8075-5FEC378A344B}"/>
-              </a:ext>
-            </a:extLst>
-          </p:cNvPr>
-          <p:cNvSpPr txBox="1"/>
-          <p:nvPr/>
-        </p:nvSpPr>
-        <p:spPr>
-          <a:xfrm>
-            <a:off x="417615" y="3880240"/>
-            <a:ext cx="2139518" cy="369332"/>
-          </a:xfrm>
-          <a:prstGeom prst="rect">
-            <a:avLst/>
-          </a:prstGeom>
-          <a:noFill/>
-        </p:spPr>
-        <p:txBody>
-          <a:bodyPr wrap="square" rtlCol="0">
-            <a:spAutoFit/>
-          </a:bodyPr>
-          <a:lstStyle/>
-          <a:p>
-            <a:r>
-              <a:rPr lang="en-US" dirty="0" err="1"/>
-              <a:t>Sobre</a:t>
-            </a:r>
-            <a:endParaRPr lang="pt-BR" dirty="0"/>
-          </a:p>
-        </p:txBody>
-      </p:sp>
-      <p:sp>
-        <p:nvSpPr>
-          <p:cNvPr id="27" name="CaixaDeTexto 26">
-            <a:extLst>
-              <a:ext uri="{FF2B5EF4-FFF2-40B4-BE49-F238E27FC236}">
-                <a16:creationId xmlns:a16="http://schemas.microsoft.com/office/drawing/2014/main" id="{894E1A4C-9F6B-402F-8F79-C10959D3107B}"/>
-              </a:ext>
-            </a:extLst>
-          </p:cNvPr>
-          <p:cNvSpPr txBox="1"/>
-          <p:nvPr/>
-        </p:nvSpPr>
-        <p:spPr>
-          <a:xfrm>
-            <a:off x="417615" y="3378071"/>
-            <a:ext cx="1169103" cy="369332"/>
-          </a:xfrm>
-          <a:prstGeom prst="rect">
-            <a:avLst/>
-          </a:prstGeom>
-          <a:noFill/>
-        </p:spPr>
-        <p:txBody>
-          <a:bodyPr wrap="none" rtlCol="0">
-            <a:spAutoFit/>
-          </a:bodyPr>
-          <a:lstStyle/>
-          <a:p>
-            <a:r>
-              <a:rPr lang="en-US" dirty="0" err="1"/>
-              <a:t>Categorias</a:t>
-            </a:r>
-            <a:endParaRPr lang="pt-BR" dirty="0"/>
-          </a:p>
-        </p:txBody>
-      </p:sp>
-      <p:sp>
-        <p:nvSpPr>
-          <p:cNvPr id="28" name="CaixaDeTexto 27">
-            <a:extLst>
-              <a:ext uri="{FF2B5EF4-FFF2-40B4-BE49-F238E27FC236}">
-                <a16:creationId xmlns:a16="http://schemas.microsoft.com/office/drawing/2014/main" id="{7666D70F-5DAA-4A3B-AC69-35442761F7E6}"/>
-              </a:ext>
-            </a:extLst>
-          </p:cNvPr>
-          <p:cNvSpPr txBox="1"/>
-          <p:nvPr/>
-        </p:nvSpPr>
-        <p:spPr>
-          <a:xfrm>
-            <a:off x="417615" y="4386050"/>
-            <a:ext cx="750526" cy="369332"/>
-          </a:xfrm>
-          <a:prstGeom prst="rect">
-            <a:avLst/>
-          </a:prstGeom>
-          <a:noFill/>
-        </p:spPr>
-        <p:txBody>
-          <a:bodyPr wrap="none" rtlCol="0">
-            <a:spAutoFit/>
-          </a:bodyPr>
-          <a:lstStyle/>
-          <a:p>
-            <a:r>
-              <a:rPr lang="en-US" dirty="0"/>
-              <a:t>Home</a:t>
-            </a:r>
-            <a:endParaRPr lang="pt-BR" dirty="0"/>
-          </a:p>
-        </p:txBody>
-      </p:sp>
-      <p:sp>
-        <p:nvSpPr>
-          <p:cNvPr id="29" name="CaixaDeTexto 28">
-            <a:extLst>
-              <a:ext uri="{FF2B5EF4-FFF2-40B4-BE49-F238E27FC236}">
-                <a16:creationId xmlns:a16="http://schemas.microsoft.com/office/drawing/2014/main" id="{41049BC1-2DB9-42CC-A34E-0BD62946572B}"/>
-              </a:ext>
-            </a:extLst>
-          </p:cNvPr>
-          <p:cNvSpPr txBox="1"/>
-          <p:nvPr/>
-        </p:nvSpPr>
-        <p:spPr>
-          <a:xfrm>
-            <a:off x="3936904" y="3797851"/>
-            <a:ext cx="2030749" cy="369332"/>
-          </a:xfrm>
-          <a:prstGeom prst="rect">
-            <a:avLst/>
-          </a:prstGeom>
-          <a:noFill/>
-        </p:spPr>
-        <p:txBody>
-          <a:bodyPr wrap="none" rtlCol="0">
-            <a:spAutoFit/>
-          </a:bodyPr>
-          <a:lstStyle/>
-          <a:p>
-            <a:r>
-              <a:rPr lang="en-US" dirty="0">
+              </a:endParaRPr>
+            </a:p>
+          </p:txBody>
+        </p:sp>
+        <p:sp>
+          <p:nvSpPr>
+            <p:cNvPr id="26" name="CaixaDeTexto 25">
+              <a:extLst>
+                <a:ext uri="{FF2B5EF4-FFF2-40B4-BE49-F238E27FC236}">
+                  <a16:creationId xmlns:a16="http://schemas.microsoft.com/office/drawing/2014/main" id="{69CAFF25-D4C5-49FD-8075-5FEC378A344B}"/>
+                </a:ext>
+              </a:extLst>
+            </p:cNvPr>
+            <p:cNvSpPr txBox="1"/>
+            <p:nvPr/>
+          </p:nvSpPr>
+          <p:spPr>
+            <a:xfrm>
+              <a:off x="417615" y="3880240"/>
+              <a:ext cx="2139518" cy="369332"/>
+            </a:xfrm>
+            <a:prstGeom prst="rect">
+              <a:avLst/>
+            </a:prstGeom>
+            <a:noFill/>
+          </p:spPr>
+          <p:txBody>
+            <a:bodyPr wrap="square" rtlCol="0">
+              <a:spAutoFit/>
+            </a:bodyPr>
+            <a:lstStyle/>
+            <a:p>
+              <a:r>
+                <a:rPr lang="en-US" dirty="0" err="1"/>
+                <a:t>Sobre</a:t>
+              </a:r>
+              <a:endParaRPr lang="pt-BR" dirty="0"/>
+            </a:p>
+          </p:txBody>
+        </p:sp>
+        <p:sp>
+          <p:nvSpPr>
+            <p:cNvPr id="27" name="CaixaDeTexto 26">
+              <a:extLst>
+                <a:ext uri="{FF2B5EF4-FFF2-40B4-BE49-F238E27FC236}">
+                  <a16:creationId xmlns:a16="http://schemas.microsoft.com/office/drawing/2014/main" id="{894E1A4C-9F6B-402F-8F79-C10959D3107B}"/>
+                </a:ext>
+              </a:extLst>
+            </p:cNvPr>
+            <p:cNvSpPr txBox="1"/>
+            <p:nvPr/>
+          </p:nvSpPr>
+          <p:spPr>
+            <a:xfrm>
+              <a:off x="417615" y="3378071"/>
+              <a:ext cx="1169103" cy="369332"/>
+            </a:xfrm>
+            <a:prstGeom prst="rect">
+              <a:avLst/>
+            </a:prstGeom>
+            <a:noFill/>
+          </p:spPr>
+          <p:txBody>
+            <a:bodyPr wrap="none" rtlCol="0">
+              <a:spAutoFit/>
+            </a:bodyPr>
+            <a:lstStyle/>
+            <a:p>
+              <a:r>
+                <a:rPr lang="en-US" dirty="0" err="1"/>
+                <a:t>Categorias</a:t>
+              </a:r>
+              <a:endParaRPr lang="pt-BR" dirty="0"/>
+            </a:p>
+          </p:txBody>
+        </p:sp>
+        <p:sp>
+          <p:nvSpPr>
+            <p:cNvPr id="28" name="CaixaDeTexto 27">
+              <a:extLst>
+                <a:ext uri="{FF2B5EF4-FFF2-40B4-BE49-F238E27FC236}">
+                  <a16:creationId xmlns:a16="http://schemas.microsoft.com/office/drawing/2014/main" id="{7666D70F-5DAA-4A3B-AC69-35442761F7E6}"/>
+                </a:ext>
+              </a:extLst>
+            </p:cNvPr>
+            <p:cNvSpPr txBox="1"/>
+            <p:nvPr/>
+          </p:nvSpPr>
+          <p:spPr>
+            <a:xfrm>
+              <a:off x="417615" y="4386050"/>
+              <a:ext cx="750526" cy="369332"/>
+            </a:xfrm>
+            <a:prstGeom prst="rect">
+              <a:avLst/>
+            </a:prstGeom>
+            <a:noFill/>
+          </p:spPr>
+          <p:txBody>
+            <a:bodyPr wrap="none" rtlCol="0">
+              <a:spAutoFit/>
+            </a:bodyPr>
+            <a:lstStyle/>
+            <a:p>
+              <a:r>
+                <a:rPr lang="en-US" dirty="0"/>
+                <a:t>Home</a:t>
+              </a:r>
+              <a:endParaRPr lang="pt-BR" dirty="0"/>
+            </a:p>
+          </p:txBody>
+        </p:sp>
+        <p:sp>
+          <p:nvSpPr>
+            <p:cNvPr id="29" name="CaixaDeTexto 28">
+              <a:extLst>
+                <a:ext uri="{FF2B5EF4-FFF2-40B4-BE49-F238E27FC236}">
+                  <a16:creationId xmlns:a16="http://schemas.microsoft.com/office/drawing/2014/main" id="{41049BC1-2DB9-42CC-A34E-0BD62946572B}"/>
+                </a:ext>
+              </a:extLst>
+            </p:cNvPr>
+            <p:cNvSpPr txBox="1"/>
+            <p:nvPr/>
+          </p:nvSpPr>
+          <p:spPr>
+            <a:xfrm>
+              <a:off x="3936904" y="3797851"/>
+              <a:ext cx="2030749" cy="369332"/>
+            </a:xfrm>
+            <a:prstGeom prst="rect">
+              <a:avLst/>
+            </a:prstGeom>
+            <a:noFill/>
+          </p:spPr>
+          <p:txBody>
+            <a:bodyPr wrap="none" rtlCol="0">
+              <a:spAutoFit/>
+            </a:bodyPr>
+            <a:lstStyle/>
+            <a:p>
+              <a:r>
+                <a:rPr lang="en-US" dirty="0">
+                  <a:solidFill>
+                    <a:srgbClr val="FF0000"/>
+                  </a:solidFill>
+                </a:rPr>
+                <a:t>NOME DO PROJETO</a:t>
+              </a:r>
+              <a:endParaRPr lang="pt-BR" dirty="0">
                 <a:solidFill>
                   <a:srgbClr val="FF0000"/>
                 </a:solidFill>
-              </a:rPr>
-              <a:t>NOME DO PROJETO</a:t>
-            </a:r>
-            <a:endParaRPr lang="pt-BR" dirty="0">
-              <a:solidFill>
-                <a:srgbClr val="FF0000"/>
-              </a:solidFill>
-            </a:endParaRPr>
-          </a:p>
-        </p:txBody>
-      </p:sp>
-      <p:sp>
-        <p:nvSpPr>
-          <p:cNvPr id="30" name="CaixaDeTexto 29">
-            <a:extLst>
-              <a:ext uri="{FF2B5EF4-FFF2-40B4-BE49-F238E27FC236}">
-                <a16:creationId xmlns:a16="http://schemas.microsoft.com/office/drawing/2014/main" id="{83BE18B4-60F3-47AE-A6CE-6E7F8802D28F}"/>
-              </a:ext>
-            </a:extLst>
-          </p:cNvPr>
-          <p:cNvSpPr txBox="1"/>
-          <p:nvPr/>
-        </p:nvSpPr>
-        <p:spPr>
-          <a:xfrm>
-            <a:off x="3896565" y="5745615"/>
-            <a:ext cx="2030749" cy="369332"/>
-          </a:xfrm>
-          <a:prstGeom prst="rect">
-            <a:avLst/>
-          </a:prstGeom>
-          <a:noFill/>
-        </p:spPr>
-        <p:txBody>
-          <a:bodyPr wrap="none" rtlCol="0">
-            <a:spAutoFit/>
-          </a:bodyPr>
-          <a:lstStyle/>
-          <a:p>
-            <a:r>
-              <a:rPr lang="en-US" dirty="0">
+              </a:endParaRPr>
+            </a:p>
+          </p:txBody>
+        </p:sp>
+        <p:sp>
+          <p:nvSpPr>
+            <p:cNvPr id="30" name="CaixaDeTexto 29">
+              <a:extLst>
+                <a:ext uri="{FF2B5EF4-FFF2-40B4-BE49-F238E27FC236}">
+                  <a16:creationId xmlns:a16="http://schemas.microsoft.com/office/drawing/2014/main" id="{83BE18B4-60F3-47AE-A6CE-6E7F8802D28F}"/>
+                </a:ext>
+              </a:extLst>
+            </p:cNvPr>
+            <p:cNvSpPr txBox="1"/>
+            <p:nvPr/>
+          </p:nvSpPr>
+          <p:spPr>
+            <a:xfrm>
+              <a:off x="3896565" y="5745615"/>
+              <a:ext cx="2030749" cy="369332"/>
+            </a:xfrm>
+            <a:prstGeom prst="rect">
+              <a:avLst/>
+            </a:prstGeom>
+            <a:noFill/>
+          </p:spPr>
+          <p:txBody>
+            <a:bodyPr wrap="none" rtlCol="0">
+              <a:spAutoFit/>
+            </a:bodyPr>
+            <a:lstStyle/>
+            <a:p>
+              <a:r>
+                <a:rPr lang="en-US" dirty="0">
+                  <a:solidFill>
+                    <a:srgbClr val="FF0000"/>
+                  </a:solidFill>
+                </a:rPr>
+                <a:t>NOME DO PROJETO</a:t>
+              </a:r>
+              <a:endParaRPr lang="pt-BR" dirty="0">
                 <a:solidFill>
                   <a:srgbClr val="FF0000"/>
                 </a:solidFill>
-              </a:rPr>
-              <a:t>NOME DO PROJETO</a:t>
-            </a:r>
-            <a:endParaRPr lang="pt-BR" dirty="0">
-              <a:solidFill>
-                <a:srgbClr val="FF0000"/>
-              </a:solidFill>
-            </a:endParaRPr>
-          </a:p>
-        </p:txBody>
-      </p:sp>
-      <p:sp>
-        <p:nvSpPr>
-          <p:cNvPr id="31" name="CaixaDeTexto 30">
-            <a:extLst>
-              <a:ext uri="{FF2B5EF4-FFF2-40B4-BE49-F238E27FC236}">
-                <a16:creationId xmlns:a16="http://schemas.microsoft.com/office/drawing/2014/main" id="{4D3A579C-4D3B-49C6-9354-BB16D0C4466E}"/>
-              </a:ext>
-            </a:extLst>
-          </p:cNvPr>
-          <p:cNvSpPr txBox="1"/>
-          <p:nvPr/>
-        </p:nvSpPr>
-        <p:spPr>
-          <a:xfrm>
-            <a:off x="8041511" y="3810739"/>
-            <a:ext cx="2030749" cy="369332"/>
-          </a:xfrm>
-          <a:prstGeom prst="rect">
-            <a:avLst/>
-          </a:prstGeom>
-          <a:noFill/>
-        </p:spPr>
-        <p:txBody>
-          <a:bodyPr wrap="none" rtlCol="0">
-            <a:spAutoFit/>
-          </a:bodyPr>
-          <a:lstStyle/>
-          <a:p>
-            <a:r>
-              <a:rPr lang="en-US" dirty="0">
+              </a:endParaRPr>
+            </a:p>
+          </p:txBody>
+        </p:sp>
+        <p:sp>
+          <p:nvSpPr>
+            <p:cNvPr id="31" name="CaixaDeTexto 30">
+              <a:extLst>
+                <a:ext uri="{FF2B5EF4-FFF2-40B4-BE49-F238E27FC236}">
+                  <a16:creationId xmlns:a16="http://schemas.microsoft.com/office/drawing/2014/main" id="{4D3A579C-4D3B-49C6-9354-BB16D0C4466E}"/>
+                </a:ext>
+              </a:extLst>
+            </p:cNvPr>
+            <p:cNvSpPr txBox="1"/>
+            <p:nvPr/>
+          </p:nvSpPr>
+          <p:spPr>
+            <a:xfrm>
+              <a:off x="8041511" y="3810739"/>
+              <a:ext cx="2030749" cy="369332"/>
+            </a:xfrm>
+            <a:prstGeom prst="rect">
+              <a:avLst/>
+            </a:prstGeom>
+            <a:noFill/>
+          </p:spPr>
+          <p:txBody>
+            <a:bodyPr wrap="none" rtlCol="0">
+              <a:spAutoFit/>
+            </a:bodyPr>
+            <a:lstStyle/>
+            <a:p>
+              <a:r>
+                <a:rPr lang="en-US" dirty="0">
+                  <a:solidFill>
+                    <a:srgbClr val="FF0000"/>
+                  </a:solidFill>
+                </a:rPr>
+                <a:t>NOME DO PROJETO</a:t>
+              </a:r>
+              <a:endParaRPr lang="pt-BR" dirty="0">
                 <a:solidFill>
                   <a:srgbClr val="FF0000"/>
                 </a:solidFill>
-              </a:rPr>
-              <a:t>NOME DO PROJETO</a:t>
-            </a:r>
-            <a:endParaRPr lang="pt-BR" dirty="0">
-              <a:solidFill>
-                <a:srgbClr val="FF0000"/>
-              </a:solidFill>
-            </a:endParaRPr>
-          </a:p>
-        </p:txBody>
-      </p:sp>
-      <p:sp>
-        <p:nvSpPr>
-          <p:cNvPr id="32" name="CaixaDeTexto 31">
-            <a:extLst>
-              <a:ext uri="{FF2B5EF4-FFF2-40B4-BE49-F238E27FC236}">
-                <a16:creationId xmlns:a16="http://schemas.microsoft.com/office/drawing/2014/main" id="{D9EF6142-1E53-4E96-90E6-D6B38DBF3338}"/>
-              </a:ext>
-            </a:extLst>
-          </p:cNvPr>
-          <p:cNvSpPr txBox="1"/>
-          <p:nvPr/>
-        </p:nvSpPr>
-        <p:spPr>
-          <a:xfrm>
-            <a:off x="8014695" y="5792626"/>
-            <a:ext cx="2030749" cy="369332"/>
-          </a:xfrm>
-          <a:prstGeom prst="rect">
-            <a:avLst/>
-          </a:prstGeom>
-          <a:noFill/>
-        </p:spPr>
-        <p:txBody>
-          <a:bodyPr wrap="none" rtlCol="0">
-            <a:spAutoFit/>
-          </a:bodyPr>
-          <a:lstStyle/>
-          <a:p>
-            <a:r>
-              <a:rPr lang="en-US" dirty="0">
+              </a:endParaRPr>
+            </a:p>
+          </p:txBody>
+        </p:sp>
+        <p:sp>
+          <p:nvSpPr>
+            <p:cNvPr id="32" name="CaixaDeTexto 31">
+              <a:extLst>
+                <a:ext uri="{FF2B5EF4-FFF2-40B4-BE49-F238E27FC236}">
+                  <a16:creationId xmlns:a16="http://schemas.microsoft.com/office/drawing/2014/main" id="{D9EF6142-1E53-4E96-90E6-D6B38DBF3338}"/>
+                </a:ext>
+              </a:extLst>
+            </p:cNvPr>
+            <p:cNvSpPr txBox="1"/>
+            <p:nvPr/>
+          </p:nvSpPr>
+          <p:spPr>
+            <a:xfrm>
+              <a:off x="8014695" y="5792626"/>
+              <a:ext cx="2030749" cy="369332"/>
+            </a:xfrm>
+            <a:prstGeom prst="rect">
+              <a:avLst/>
+            </a:prstGeom>
+            <a:noFill/>
+          </p:spPr>
+          <p:txBody>
+            <a:bodyPr wrap="none" rtlCol="0">
+              <a:spAutoFit/>
+            </a:bodyPr>
+            <a:lstStyle/>
+            <a:p>
+              <a:r>
+                <a:rPr lang="en-US" dirty="0">
+                  <a:solidFill>
+                    <a:srgbClr val="FF0000"/>
+                  </a:solidFill>
+                </a:rPr>
+                <a:t>NOME DO PROJETO</a:t>
+              </a:r>
+              <a:endParaRPr lang="pt-BR" dirty="0">
                 <a:solidFill>
                   <a:srgbClr val="FF0000"/>
                 </a:solidFill>
-              </a:rPr>
-              <a:t>NOME DO PROJETO</a:t>
-            </a:r>
-            <a:endParaRPr lang="pt-BR" dirty="0">
-              <a:solidFill>
-                <a:srgbClr val="FF0000"/>
-              </a:solidFill>
-            </a:endParaRPr>
-          </a:p>
-        </p:txBody>
-      </p:sp>
-      <p:sp>
-        <p:nvSpPr>
-          <p:cNvPr id="33" name="CaixaDeTexto 32">
-            <a:extLst>
-              <a:ext uri="{FF2B5EF4-FFF2-40B4-BE49-F238E27FC236}">
-                <a16:creationId xmlns:a16="http://schemas.microsoft.com/office/drawing/2014/main" id="{56719645-FE99-4C58-BD45-70CC006AE571}"/>
-              </a:ext>
-            </a:extLst>
-          </p:cNvPr>
-          <p:cNvSpPr txBox="1"/>
-          <p:nvPr/>
-        </p:nvSpPr>
-        <p:spPr>
-          <a:xfrm>
-            <a:off x="624599" y="5126186"/>
-            <a:ext cx="1911614" cy="369332"/>
-          </a:xfrm>
-          <a:prstGeom prst="rect">
-            <a:avLst/>
-          </a:prstGeom>
-          <a:noFill/>
-        </p:spPr>
-        <p:txBody>
-          <a:bodyPr wrap="none" rtlCol="0">
-            <a:spAutoFit/>
-          </a:bodyPr>
-          <a:lstStyle/>
-          <a:p>
-            <a:r>
-              <a:rPr lang="en-US" dirty="0">
+              </a:endParaRPr>
+            </a:p>
+          </p:txBody>
+        </p:sp>
+        <p:sp>
+          <p:nvSpPr>
+            <p:cNvPr id="33" name="CaixaDeTexto 32">
+              <a:extLst>
+                <a:ext uri="{FF2B5EF4-FFF2-40B4-BE49-F238E27FC236}">
+                  <a16:creationId xmlns:a16="http://schemas.microsoft.com/office/drawing/2014/main" id="{56719645-FE99-4C58-BD45-70CC006AE571}"/>
+                </a:ext>
+              </a:extLst>
+            </p:cNvPr>
+            <p:cNvSpPr txBox="1"/>
+            <p:nvPr/>
+          </p:nvSpPr>
+          <p:spPr>
+            <a:xfrm>
+              <a:off x="624599" y="5126186"/>
+              <a:ext cx="1911614" cy="369332"/>
+            </a:xfrm>
+            <a:prstGeom prst="rect">
+              <a:avLst/>
+            </a:prstGeom>
+            <a:noFill/>
+          </p:spPr>
+          <p:txBody>
+            <a:bodyPr wrap="none" rtlCol="0">
+              <a:spAutoFit/>
+            </a:bodyPr>
+            <a:lstStyle/>
+            <a:p>
+              <a:r>
+                <a:rPr lang="en-US" dirty="0">
+                  <a:solidFill>
+                    <a:srgbClr val="FF0000"/>
+                  </a:solidFill>
+                </a:rPr>
+                <a:t>MENU DE OPCOES</a:t>
+              </a:r>
+              <a:endParaRPr lang="pt-BR" dirty="0">
                 <a:solidFill>
                   <a:srgbClr val="FF0000"/>
                 </a:solidFill>
-              </a:rPr>
-              <a:t>MENU DE OPCOES</a:t>
-            </a:r>
-            <a:endParaRPr lang="pt-BR" dirty="0">
-              <a:solidFill>
-                <a:srgbClr val="FF0000"/>
-              </a:solidFill>
-            </a:endParaRPr>
-          </a:p>
-        </p:txBody>
-      </p:sp>
+              </a:endParaRPr>
+            </a:p>
+          </p:txBody>
+        </p:sp>
+      </p:grpSp>
     </p:spTree>
     <p:extLst>
       <p:ext uri="{BB962C8B-B14F-4D97-AF65-F5344CB8AC3E}">
@@ -6542,30 +6611,35 @@
           </a:p>
         </p:txBody>
       </p:sp>
-      <p:sp>
-        <p:nvSpPr>
-          <p:cNvPr id="4" name="Espaço Reservado para Conteúdo 3"/>
-          <p:cNvSpPr>
-            <a:spLocks noGrp="1"/>
-          </p:cNvSpPr>
-          <p:nvPr>
-            <p:ph idx="1"/>
-          </p:nvPr>
-        </p:nvSpPr>
+      <p:pic>
+        <p:nvPicPr>
+          <p:cNvPr id="3" name="Imagem 2">
+            <a:extLst>
+              <a:ext uri="{FF2B5EF4-FFF2-40B4-BE49-F238E27FC236}">
+                <a16:creationId xmlns:a16="http://schemas.microsoft.com/office/drawing/2014/main" id="{B7777E31-3511-433A-8BDD-0E02519C7F11}"/>
+              </a:ext>
+            </a:extLst>
+          </p:cNvPr>
+          <p:cNvPicPr>
+            <a:picLocks noChangeAspect="1"/>
+          </p:cNvPicPr>
+          <p:nvPr/>
+        </p:nvPicPr>
+        <p:blipFill rotWithShape="1">
+          <a:blip r:embed="rId2"/>
+          <a:srcRect t="9599" r="1885" b="6207"/>
+          <a:stretch/>
+        </p:blipFill>
         <p:spPr>
           <a:xfrm>
-            <a:off x="379141" y="992459"/>
-            <a:ext cx="11385396" cy="5184504"/>
+            <a:off x="266700" y="978172"/>
+            <a:ext cx="11581406" cy="5587520"/>
           </a:xfrm>
+          <a:prstGeom prst="rect">
+            <a:avLst/>
+          </a:prstGeom>
         </p:spPr>
-        <p:txBody>
-          <a:bodyPr/>
-          <a:lstStyle/>
-          <a:p>
-            <a:endParaRPr lang="pt-BR"/>
-          </a:p>
-        </p:txBody>
-      </p:sp>
+      </p:pic>
     </p:spTree>
     <p:extLst>
       <p:ext uri="{BB962C8B-B14F-4D97-AF65-F5344CB8AC3E}">
@@ -6645,7 +6719,13 @@
           <a:bodyPr/>
           <a:lstStyle/>
           <a:p>
-            <a:endParaRPr lang="pt-BR"/>
+            <a:pPr marL="0" indent="0">
+              <a:buNone/>
+            </a:pPr>
+            <a:r>
+              <a:rPr lang="pt-BR" dirty="0"/>
+              <a:t>Fizemos esse design para que seja direta a visita da pessoa a essa pagina. Desta forma, ela irá ver os projetos já feitos de maneira simples e completa, e terá o menu de opções a esquerda para ir as outras paginas do site.</a:t>
+            </a:r>
           </a:p>
         </p:txBody>
       </p:sp>
@@ -6708,68 +6788,1329 @@
           </a:p>
         </p:txBody>
       </p:sp>
-      <p:sp>
-        <p:nvSpPr>
-          <p:cNvPr id="4" name="Espaço Reservado para Conteúdo 3"/>
-          <p:cNvSpPr>
-            <a:spLocks noGrp="1"/>
-          </p:cNvSpPr>
-          <p:nvPr>
-            <p:ph idx="1"/>
-          </p:nvPr>
-        </p:nvSpPr>
-        <p:spPr/>
-        <p:txBody>
-          <a:bodyPr/>
-          <a:lstStyle/>
-          <a:p>
-            <a:endParaRPr lang="pt-BR"/>
-          </a:p>
-        </p:txBody>
-      </p:sp>
-      <p:sp>
-        <p:nvSpPr>
-          <p:cNvPr id="5" name="Retângulo: Cantos Arredondados 4"/>
-          <p:cNvSpPr/>
+      <p:grpSp>
+        <p:nvGrpSpPr>
+          <p:cNvPr id="6" name="Agrupar 5">
+            <a:extLst>
+              <a:ext uri="{FF2B5EF4-FFF2-40B4-BE49-F238E27FC236}">
+                <a16:creationId xmlns:a16="http://schemas.microsoft.com/office/drawing/2014/main" id="{A4522370-ED58-4F04-91F8-000887DE3ABA}"/>
+              </a:ext>
+            </a:extLst>
+          </p:cNvPr>
+          <p:cNvGrpSpPr/>
           <p:nvPr/>
-        </p:nvSpPr>
-        <p:spPr>
+        </p:nvGrpSpPr>
+        <p:grpSpPr>
           <a:xfrm>
-            <a:off x="469900" y="939800"/>
-            <a:ext cx="11252200" cy="5384800"/>
+            <a:off x="346596" y="1078637"/>
+            <a:ext cx="11487707" cy="5526349"/>
+            <a:chOff x="346596" y="1078637"/>
+            <a:chExt cx="11487707" cy="5526349"/>
           </a:xfrm>
-          <a:prstGeom prst="roundRect">
-            <a:avLst/>
-          </a:prstGeom>
-        </p:spPr>
-        <p:style>
-          <a:lnRef idx="2">
-            <a:schemeClr val="accent1">
-              <a:shade val="50000"/>
-            </a:schemeClr>
-          </a:lnRef>
-          <a:fillRef idx="1">
-            <a:schemeClr val="accent1"/>
-          </a:fillRef>
-          <a:effectRef idx="0">
-            <a:schemeClr val="accent1"/>
-          </a:effectRef>
-          <a:fontRef idx="minor">
-            <a:schemeClr val="lt1"/>
-          </a:fontRef>
-        </p:style>
-        <p:txBody>
-          <a:bodyPr rtlCol="0" anchor="ctr"/>
-          <a:lstStyle/>
-          <a:p>
-            <a:pPr algn="ctr"/>
-            <a:r>
-              <a:rPr lang="pt-BR" sz="3600" dirty="0"/>
-              <a:t>Coloque seu sketch AQUI!</a:t>
-            </a:r>
-          </a:p>
-        </p:txBody>
-      </p:sp>
+        </p:grpSpPr>
+        <p:sp>
+          <p:nvSpPr>
+            <p:cNvPr id="7" name="Retângulo 6">
+              <a:extLst>
+                <a:ext uri="{FF2B5EF4-FFF2-40B4-BE49-F238E27FC236}">
+                  <a16:creationId xmlns:a16="http://schemas.microsoft.com/office/drawing/2014/main" id="{B0B57B5F-337D-45B5-AA2E-7D66237F35AA}"/>
+                </a:ext>
+              </a:extLst>
+            </p:cNvPr>
+            <p:cNvSpPr/>
+            <p:nvPr/>
+          </p:nvSpPr>
+          <p:spPr>
+            <a:xfrm>
+              <a:off x="346598" y="1118586"/>
+              <a:ext cx="11487705" cy="5486400"/>
+            </a:xfrm>
+            <a:prstGeom prst="rect">
+              <a:avLst/>
+            </a:prstGeom>
+            <a:solidFill>
+              <a:schemeClr val="bg2">
+                <a:lumMod val="25000"/>
+              </a:schemeClr>
+            </a:solidFill>
+          </p:spPr>
+          <p:style>
+            <a:lnRef idx="2">
+              <a:schemeClr val="accent1">
+                <a:shade val="50000"/>
+              </a:schemeClr>
+            </a:lnRef>
+            <a:fillRef idx="1">
+              <a:schemeClr val="accent1"/>
+            </a:fillRef>
+            <a:effectRef idx="0">
+              <a:schemeClr val="accent1"/>
+            </a:effectRef>
+            <a:fontRef idx="minor">
+              <a:schemeClr val="lt1"/>
+            </a:fontRef>
+          </p:style>
+          <p:txBody>
+            <a:bodyPr rtlCol="0" anchor="ctr"/>
+            <a:lstStyle/>
+            <a:p>
+              <a:pPr algn="ctr"/>
+              <a:endParaRPr lang="pt-BR"/>
+            </a:p>
+          </p:txBody>
+        </p:sp>
+        <p:sp>
+          <p:nvSpPr>
+            <p:cNvPr id="8" name="Retângulo 7">
+              <a:extLst>
+                <a:ext uri="{FF2B5EF4-FFF2-40B4-BE49-F238E27FC236}">
+                  <a16:creationId xmlns:a16="http://schemas.microsoft.com/office/drawing/2014/main" id="{AEA688CE-649D-41E6-8692-E782FC8AF219}"/>
+                </a:ext>
+              </a:extLst>
+            </p:cNvPr>
+            <p:cNvSpPr/>
+            <p:nvPr/>
+          </p:nvSpPr>
+          <p:spPr>
+            <a:xfrm>
+              <a:off x="346596" y="1078637"/>
+              <a:ext cx="11487705" cy="1278385"/>
+            </a:xfrm>
+            <a:prstGeom prst="rect">
+              <a:avLst/>
+            </a:prstGeom>
+            <a:solidFill>
+              <a:schemeClr val="bg2">
+                <a:lumMod val="10000"/>
+              </a:schemeClr>
+            </a:solidFill>
+            <a:ln>
+              <a:solidFill>
+                <a:schemeClr val="bg2">
+                  <a:lumMod val="10000"/>
+                </a:schemeClr>
+              </a:solidFill>
+            </a:ln>
+          </p:spPr>
+          <p:style>
+            <a:lnRef idx="2">
+              <a:schemeClr val="accent1">
+                <a:shade val="50000"/>
+              </a:schemeClr>
+            </a:lnRef>
+            <a:fillRef idx="1">
+              <a:schemeClr val="accent1"/>
+            </a:fillRef>
+            <a:effectRef idx="0">
+              <a:schemeClr val="accent1"/>
+            </a:effectRef>
+            <a:fontRef idx="minor">
+              <a:schemeClr val="lt1"/>
+            </a:fontRef>
+          </p:style>
+          <p:txBody>
+            <a:bodyPr rtlCol="0" anchor="ctr"/>
+            <a:lstStyle/>
+            <a:p>
+              <a:pPr algn="ctr"/>
+              <a:r>
+                <a:rPr lang="en-US" sz="8000" dirty="0"/>
+                <a:t>J.L. Inc.</a:t>
+              </a:r>
+              <a:endParaRPr lang="pt-BR" sz="8000" dirty="0"/>
+            </a:p>
+          </p:txBody>
+        </p:sp>
+        <p:pic>
+          <p:nvPicPr>
+            <p:cNvPr id="9" name="Imagem 8">
+              <a:extLst>
+                <a:ext uri="{FF2B5EF4-FFF2-40B4-BE49-F238E27FC236}">
+                  <a16:creationId xmlns:a16="http://schemas.microsoft.com/office/drawing/2014/main" id="{B1FA6D42-68B3-417F-9C53-FC8BA798F3E0}"/>
+                </a:ext>
+              </a:extLst>
+            </p:cNvPr>
+            <p:cNvPicPr>
+              <a:picLocks noChangeAspect="1"/>
+            </p:cNvPicPr>
+            <p:nvPr/>
+          </p:nvPicPr>
+          <p:blipFill>
+            <a:blip r:embed="rId2">
+              <a:extLst>
+                <a:ext uri="{28A0092B-C50C-407E-A947-70E740481C1C}">
+                  <a14:useLocalDpi xmlns:a14="http://schemas.microsoft.com/office/drawing/2010/main" val="0"/>
+                </a:ext>
+              </a:extLst>
+            </a:blip>
+            <a:stretch>
+              <a:fillRect/>
+            </a:stretch>
+          </p:blipFill>
+          <p:spPr>
+            <a:xfrm>
+              <a:off x="497150" y="1242318"/>
+              <a:ext cx="2788876" cy="951021"/>
+            </a:xfrm>
+            <a:prstGeom prst="rect">
+              <a:avLst/>
+            </a:prstGeom>
+          </p:spPr>
+        </p:pic>
+        <p:sp>
+          <p:nvSpPr>
+            <p:cNvPr id="10" name="Retângulo 9">
+              <a:extLst>
+                <a:ext uri="{FF2B5EF4-FFF2-40B4-BE49-F238E27FC236}">
+                  <a16:creationId xmlns:a16="http://schemas.microsoft.com/office/drawing/2014/main" id="{797F7684-8BCC-4D94-BF02-7A5104402A92}"/>
+                </a:ext>
+              </a:extLst>
+            </p:cNvPr>
+            <p:cNvSpPr/>
+            <p:nvPr/>
+          </p:nvSpPr>
+          <p:spPr>
+            <a:xfrm>
+              <a:off x="355473" y="3124939"/>
+              <a:ext cx="2467625" cy="3480047"/>
+            </a:xfrm>
+            <a:prstGeom prst="rect">
+              <a:avLst/>
+            </a:prstGeom>
+            <a:solidFill>
+              <a:schemeClr val="bg2">
+                <a:lumMod val="75000"/>
+              </a:schemeClr>
+            </a:solidFill>
+          </p:spPr>
+          <p:style>
+            <a:lnRef idx="2">
+              <a:schemeClr val="accent1">
+                <a:shade val="50000"/>
+              </a:schemeClr>
+            </a:lnRef>
+            <a:fillRef idx="1">
+              <a:schemeClr val="accent1"/>
+            </a:fillRef>
+            <a:effectRef idx="0">
+              <a:schemeClr val="accent1"/>
+            </a:effectRef>
+            <a:fontRef idx="minor">
+              <a:schemeClr val="lt1"/>
+            </a:fontRef>
+          </p:style>
+          <p:txBody>
+            <a:bodyPr rtlCol="0" anchor="ctr"/>
+            <a:lstStyle/>
+            <a:p>
+              <a:pPr algn="ctr"/>
+              <a:endParaRPr lang="pt-BR" dirty="0"/>
+            </a:p>
+          </p:txBody>
+        </p:sp>
+        <p:sp>
+          <p:nvSpPr>
+            <p:cNvPr id="11" name="Retângulo 10">
+              <a:extLst>
+                <a:ext uri="{FF2B5EF4-FFF2-40B4-BE49-F238E27FC236}">
+                  <a16:creationId xmlns:a16="http://schemas.microsoft.com/office/drawing/2014/main" id="{28B6E12B-D0B2-4E64-BDBA-1CCBB76B1DDC}"/>
+                </a:ext>
+              </a:extLst>
+            </p:cNvPr>
+            <p:cNvSpPr/>
+            <p:nvPr/>
+          </p:nvSpPr>
+          <p:spPr>
+            <a:xfrm>
+              <a:off x="355473" y="2357022"/>
+              <a:ext cx="2458748" cy="803428"/>
+            </a:xfrm>
+            <a:prstGeom prst="rect">
+              <a:avLst/>
+            </a:prstGeom>
+            <a:solidFill>
+              <a:schemeClr val="bg2">
+                <a:lumMod val="50000"/>
+              </a:schemeClr>
+            </a:solidFill>
+            <a:ln>
+              <a:solidFill>
+                <a:schemeClr val="tx1"/>
+              </a:solidFill>
+            </a:ln>
+          </p:spPr>
+          <p:style>
+            <a:lnRef idx="2">
+              <a:schemeClr val="accent1">
+                <a:shade val="50000"/>
+              </a:schemeClr>
+            </a:lnRef>
+            <a:fillRef idx="1">
+              <a:schemeClr val="accent1"/>
+            </a:fillRef>
+            <a:effectRef idx="0">
+              <a:schemeClr val="accent1"/>
+            </a:effectRef>
+            <a:fontRef idx="minor">
+              <a:schemeClr val="lt1"/>
+            </a:fontRef>
+          </p:style>
+          <p:txBody>
+            <a:bodyPr rtlCol="0" anchor="ctr"/>
+            <a:lstStyle/>
+            <a:p>
+              <a:pPr algn="ctr"/>
+              <a:endParaRPr lang="pt-BR"/>
+            </a:p>
+          </p:txBody>
+        </p:sp>
+        <p:cxnSp>
+          <p:nvCxnSpPr>
+            <p:cNvPr id="12" name="Conector reto 11">
+              <a:extLst>
+                <a:ext uri="{FF2B5EF4-FFF2-40B4-BE49-F238E27FC236}">
+                  <a16:creationId xmlns:a16="http://schemas.microsoft.com/office/drawing/2014/main" id="{966E1CDD-BCD2-4AE8-9362-2AABA0EAE9E4}"/>
+                </a:ext>
+              </a:extLst>
+            </p:cNvPr>
+            <p:cNvCxnSpPr/>
+            <p:nvPr/>
+          </p:nvCxnSpPr>
+          <p:spPr>
+            <a:xfrm>
+              <a:off x="417615" y="2547891"/>
+              <a:ext cx="2325583" cy="0"/>
+            </a:xfrm>
+            <a:prstGeom prst="line">
+              <a:avLst/>
+            </a:prstGeom>
+            <a:ln>
+              <a:solidFill>
+                <a:schemeClr val="tx1"/>
+              </a:solidFill>
+            </a:ln>
+          </p:spPr>
+          <p:style>
+            <a:lnRef idx="1">
+              <a:schemeClr val="accent1"/>
+            </a:lnRef>
+            <a:fillRef idx="0">
+              <a:schemeClr val="accent1"/>
+            </a:fillRef>
+            <a:effectRef idx="0">
+              <a:schemeClr val="accent1"/>
+            </a:effectRef>
+            <a:fontRef idx="minor">
+              <a:schemeClr val="tx1"/>
+            </a:fontRef>
+          </p:style>
+        </p:cxnSp>
+        <p:cxnSp>
+          <p:nvCxnSpPr>
+            <p:cNvPr id="13" name="Conector reto 12">
+              <a:extLst>
+                <a:ext uri="{FF2B5EF4-FFF2-40B4-BE49-F238E27FC236}">
+                  <a16:creationId xmlns:a16="http://schemas.microsoft.com/office/drawing/2014/main" id="{B18DB0A9-D1D5-442B-8DE1-09A96B9CE72F}"/>
+                </a:ext>
+              </a:extLst>
+            </p:cNvPr>
+            <p:cNvCxnSpPr/>
+            <p:nvPr/>
+          </p:nvCxnSpPr>
+          <p:spPr>
+            <a:xfrm>
+              <a:off x="417615" y="2751338"/>
+              <a:ext cx="2325583" cy="0"/>
+            </a:xfrm>
+            <a:prstGeom prst="line">
+              <a:avLst/>
+            </a:prstGeom>
+            <a:ln>
+              <a:solidFill>
+                <a:schemeClr val="tx1"/>
+              </a:solidFill>
+            </a:ln>
+          </p:spPr>
+          <p:style>
+            <a:lnRef idx="1">
+              <a:schemeClr val="accent1"/>
+            </a:lnRef>
+            <a:fillRef idx="0">
+              <a:schemeClr val="accent1"/>
+            </a:fillRef>
+            <a:effectRef idx="0">
+              <a:schemeClr val="accent1"/>
+            </a:effectRef>
+            <a:fontRef idx="minor">
+              <a:schemeClr val="tx1"/>
+            </a:fontRef>
+          </p:style>
+        </p:cxnSp>
+        <p:cxnSp>
+          <p:nvCxnSpPr>
+            <p:cNvPr id="14" name="Conector reto 13">
+              <a:extLst>
+                <a:ext uri="{FF2B5EF4-FFF2-40B4-BE49-F238E27FC236}">
+                  <a16:creationId xmlns:a16="http://schemas.microsoft.com/office/drawing/2014/main" id="{9F602CE8-4C5E-406F-8DC6-E0F8DCA9BDC4}"/>
+                </a:ext>
+              </a:extLst>
+            </p:cNvPr>
+            <p:cNvCxnSpPr/>
+            <p:nvPr/>
+          </p:nvCxnSpPr>
+          <p:spPr>
+            <a:xfrm>
+              <a:off x="417616" y="2939988"/>
+              <a:ext cx="2325583" cy="0"/>
+            </a:xfrm>
+            <a:prstGeom prst="line">
+              <a:avLst/>
+            </a:prstGeom>
+            <a:ln>
+              <a:solidFill>
+                <a:schemeClr val="tx1"/>
+              </a:solidFill>
+            </a:ln>
+          </p:spPr>
+          <p:style>
+            <a:lnRef idx="1">
+              <a:schemeClr val="accent1"/>
+            </a:lnRef>
+            <a:fillRef idx="0">
+              <a:schemeClr val="accent1"/>
+            </a:fillRef>
+            <a:effectRef idx="0">
+              <a:schemeClr val="accent1"/>
+            </a:effectRef>
+            <a:fontRef idx="minor">
+              <a:schemeClr val="tx1"/>
+            </a:fontRef>
+          </p:style>
+        </p:cxnSp>
+        <p:sp>
+          <p:nvSpPr>
+            <p:cNvPr id="15" name="Retângulo 14">
+              <a:extLst>
+                <a:ext uri="{FF2B5EF4-FFF2-40B4-BE49-F238E27FC236}">
+                  <a16:creationId xmlns:a16="http://schemas.microsoft.com/office/drawing/2014/main" id="{7CF36BD9-EA1C-4C31-ACFA-365A93119AD1}"/>
+                </a:ext>
+              </a:extLst>
+            </p:cNvPr>
+            <p:cNvSpPr/>
+            <p:nvPr/>
+          </p:nvSpPr>
+          <p:spPr>
+            <a:xfrm>
+              <a:off x="3364637" y="2627790"/>
+              <a:ext cx="3142695" cy="1704513"/>
+            </a:xfrm>
+            <a:prstGeom prst="rect">
+              <a:avLst/>
+            </a:prstGeom>
+            <a:solidFill>
+              <a:schemeClr val="bg1"/>
+            </a:solidFill>
+          </p:spPr>
+          <p:style>
+            <a:lnRef idx="2">
+              <a:schemeClr val="accent1">
+                <a:shade val="50000"/>
+              </a:schemeClr>
+            </a:lnRef>
+            <a:fillRef idx="1">
+              <a:schemeClr val="accent1"/>
+            </a:fillRef>
+            <a:effectRef idx="0">
+              <a:schemeClr val="accent1"/>
+            </a:effectRef>
+            <a:fontRef idx="minor">
+              <a:schemeClr val="lt1"/>
+            </a:fontRef>
+          </p:style>
+          <p:txBody>
+            <a:bodyPr rtlCol="0" anchor="ctr"/>
+            <a:lstStyle/>
+            <a:p>
+              <a:pPr algn="ctr"/>
+              <a:endParaRPr lang="pt-BR"/>
+            </a:p>
+          </p:txBody>
+        </p:sp>
+        <p:sp>
+          <p:nvSpPr>
+            <p:cNvPr id="16" name="Retângulo 15">
+              <a:extLst>
+                <a:ext uri="{FF2B5EF4-FFF2-40B4-BE49-F238E27FC236}">
+                  <a16:creationId xmlns:a16="http://schemas.microsoft.com/office/drawing/2014/main" id="{AB3806A9-ED6E-4F4D-9BA6-06680986D490}"/>
+                </a:ext>
+              </a:extLst>
+            </p:cNvPr>
+            <p:cNvSpPr/>
+            <p:nvPr/>
+          </p:nvSpPr>
+          <p:spPr>
+            <a:xfrm>
+              <a:off x="3340593" y="4603071"/>
+              <a:ext cx="3142695" cy="1704513"/>
+            </a:xfrm>
+            <a:prstGeom prst="rect">
+              <a:avLst/>
+            </a:prstGeom>
+            <a:solidFill>
+              <a:schemeClr val="bg1"/>
+            </a:solidFill>
+          </p:spPr>
+          <p:style>
+            <a:lnRef idx="2">
+              <a:schemeClr val="accent1">
+                <a:shade val="50000"/>
+              </a:schemeClr>
+            </a:lnRef>
+            <a:fillRef idx="1">
+              <a:schemeClr val="accent1"/>
+            </a:fillRef>
+            <a:effectRef idx="0">
+              <a:schemeClr val="accent1"/>
+            </a:effectRef>
+            <a:fontRef idx="minor">
+              <a:schemeClr val="lt1"/>
+            </a:fontRef>
+          </p:style>
+          <p:txBody>
+            <a:bodyPr rtlCol="0" anchor="ctr"/>
+            <a:lstStyle/>
+            <a:p>
+              <a:pPr algn="ctr"/>
+              <a:endParaRPr lang="pt-BR"/>
+            </a:p>
+          </p:txBody>
+        </p:sp>
+        <p:sp>
+          <p:nvSpPr>
+            <p:cNvPr id="17" name="Retângulo 16">
+              <a:extLst>
+                <a:ext uri="{FF2B5EF4-FFF2-40B4-BE49-F238E27FC236}">
+                  <a16:creationId xmlns:a16="http://schemas.microsoft.com/office/drawing/2014/main" id="{8E51CCC0-82E6-4C3C-8660-C6BDCFC4FBB1}"/>
+                </a:ext>
+              </a:extLst>
+            </p:cNvPr>
+            <p:cNvSpPr/>
+            <p:nvPr/>
+          </p:nvSpPr>
+          <p:spPr>
+            <a:xfrm>
+              <a:off x="7458723" y="2627790"/>
+              <a:ext cx="3142695" cy="1704513"/>
+            </a:xfrm>
+            <a:prstGeom prst="rect">
+              <a:avLst/>
+            </a:prstGeom>
+            <a:solidFill>
+              <a:schemeClr val="bg1"/>
+            </a:solidFill>
+          </p:spPr>
+          <p:style>
+            <a:lnRef idx="2">
+              <a:schemeClr val="accent1">
+                <a:shade val="50000"/>
+              </a:schemeClr>
+            </a:lnRef>
+            <a:fillRef idx="1">
+              <a:schemeClr val="accent1"/>
+            </a:fillRef>
+            <a:effectRef idx="0">
+              <a:schemeClr val="accent1"/>
+            </a:effectRef>
+            <a:fontRef idx="minor">
+              <a:schemeClr val="lt1"/>
+            </a:fontRef>
+          </p:style>
+          <p:txBody>
+            <a:bodyPr rtlCol="0" anchor="ctr"/>
+            <a:lstStyle/>
+            <a:p>
+              <a:pPr algn="ctr"/>
+              <a:endParaRPr lang="pt-BR"/>
+            </a:p>
+          </p:txBody>
+        </p:sp>
+        <p:sp>
+          <p:nvSpPr>
+            <p:cNvPr id="18" name="Retângulo 17">
+              <a:extLst>
+                <a:ext uri="{FF2B5EF4-FFF2-40B4-BE49-F238E27FC236}">
+                  <a16:creationId xmlns:a16="http://schemas.microsoft.com/office/drawing/2014/main" id="{29689B95-A780-481E-AD85-0194DEC38E87}"/>
+                </a:ext>
+              </a:extLst>
+            </p:cNvPr>
+            <p:cNvSpPr/>
+            <p:nvPr/>
+          </p:nvSpPr>
+          <p:spPr>
+            <a:xfrm>
+              <a:off x="7485539" y="4603070"/>
+              <a:ext cx="3142695" cy="1704513"/>
+            </a:xfrm>
+            <a:prstGeom prst="rect">
+              <a:avLst/>
+            </a:prstGeom>
+            <a:solidFill>
+              <a:schemeClr val="bg1"/>
+            </a:solidFill>
+          </p:spPr>
+          <p:style>
+            <a:lnRef idx="2">
+              <a:schemeClr val="accent1">
+                <a:shade val="50000"/>
+              </a:schemeClr>
+            </a:lnRef>
+            <a:fillRef idx="1">
+              <a:schemeClr val="accent1"/>
+            </a:fillRef>
+            <a:effectRef idx="0">
+              <a:schemeClr val="accent1"/>
+            </a:effectRef>
+            <a:fontRef idx="minor">
+              <a:schemeClr val="lt1"/>
+            </a:fontRef>
+          </p:style>
+          <p:txBody>
+            <a:bodyPr rtlCol="0" anchor="ctr"/>
+            <a:lstStyle/>
+            <a:p>
+              <a:pPr algn="ctr"/>
+              <a:endParaRPr lang="pt-BR"/>
+            </a:p>
+          </p:txBody>
+        </p:sp>
+        <p:sp>
+          <p:nvSpPr>
+            <p:cNvPr id="19" name="Retângulo 18">
+              <a:extLst>
+                <a:ext uri="{FF2B5EF4-FFF2-40B4-BE49-F238E27FC236}">
+                  <a16:creationId xmlns:a16="http://schemas.microsoft.com/office/drawing/2014/main" id="{E5DAC7D2-0D5D-4624-9026-2EDD3731D5AE}"/>
+                </a:ext>
+              </a:extLst>
+            </p:cNvPr>
+            <p:cNvSpPr/>
+            <p:nvPr/>
+          </p:nvSpPr>
+          <p:spPr>
+            <a:xfrm>
+              <a:off x="3364637" y="3675355"/>
+              <a:ext cx="3142695" cy="656948"/>
+            </a:xfrm>
+            <a:prstGeom prst="rect">
+              <a:avLst/>
+            </a:prstGeom>
+            <a:solidFill>
+              <a:schemeClr val="tx1">
+                <a:lumMod val="85000"/>
+                <a:lumOff val="15000"/>
+              </a:schemeClr>
+            </a:solidFill>
+            <a:ln>
+              <a:solidFill>
+                <a:schemeClr val="tx1"/>
+              </a:solidFill>
+            </a:ln>
+          </p:spPr>
+          <p:style>
+            <a:lnRef idx="2">
+              <a:schemeClr val="accent1">
+                <a:shade val="50000"/>
+              </a:schemeClr>
+            </a:lnRef>
+            <a:fillRef idx="1">
+              <a:schemeClr val="accent1"/>
+            </a:fillRef>
+            <a:effectRef idx="0">
+              <a:schemeClr val="accent1"/>
+            </a:effectRef>
+            <a:fontRef idx="minor">
+              <a:schemeClr val="lt1"/>
+            </a:fontRef>
+          </p:style>
+          <p:txBody>
+            <a:bodyPr rtlCol="0" anchor="ctr"/>
+            <a:lstStyle/>
+            <a:p>
+              <a:pPr algn="ctr"/>
+              <a:endParaRPr lang="pt-BR"/>
+            </a:p>
+          </p:txBody>
+        </p:sp>
+        <p:sp>
+          <p:nvSpPr>
+            <p:cNvPr id="20" name="Retângulo 19">
+              <a:extLst>
+                <a:ext uri="{FF2B5EF4-FFF2-40B4-BE49-F238E27FC236}">
+                  <a16:creationId xmlns:a16="http://schemas.microsoft.com/office/drawing/2014/main" id="{7235AC72-5480-4E22-A2ED-9C63808764B8}"/>
+                </a:ext>
+              </a:extLst>
+            </p:cNvPr>
+            <p:cNvSpPr/>
+            <p:nvPr/>
+          </p:nvSpPr>
+          <p:spPr>
+            <a:xfrm>
+              <a:off x="3340593" y="5650635"/>
+              <a:ext cx="3142695" cy="656948"/>
+            </a:xfrm>
+            <a:prstGeom prst="rect">
+              <a:avLst/>
+            </a:prstGeom>
+            <a:solidFill>
+              <a:schemeClr val="tx1">
+                <a:lumMod val="85000"/>
+                <a:lumOff val="15000"/>
+              </a:schemeClr>
+            </a:solidFill>
+            <a:ln>
+              <a:solidFill>
+                <a:schemeClr val="tx1"/>
+              </a:solidFill>
+            </a:ln>
+          </p:spPr>
+          <p:style>
+            <a:lnRef idx="2">
+              <a:schemeClr val="accent1">
+                <a:shade val="50000"/>
+              </a:schemeClr>
+            </a:lnRef>
+            <a:fillRef idx="1">
+              <a:schemeClr val="accent1"/>
+            </a:fillRef>
+            <a:effectRef idx="0">
+              <a:schemeClr val="accent1"/>
+            </a:effectRef>
+            <a:fontRef idx="minor">
+              <a:schemeClr val="lt1"/>
+            </a:fontRef>
+          </p:style>
+          <p:txBody>
+            <a:bodyPr rtlCol="0" anchor="ctr"/>
+            <a:lstStyle/>
+            <a:p>
+              <a:pPr algn="ctr"/>
+              <a:endParaRPr lang="pt-BR"/>
+            </a:p>
+          </p:txBody>
+        </p:sp>
+        <p:sp>
+          <p:nvSpPr>
+            <p:cNvPr id="21" name="Retângulo 20">
+              <a:extLst>
+                <a:ext uri="{FF2B5EF4-FFF2-40B4-BE49-F238E27FC236}">
+                  <a16:creationId xmlns:a16="http://schemas.microsoft.com/office/drawing/2014/main" id="{671753B4-43BB-4636-AFC3-06F0EACDCBE9}"/>
+                </a:ext>
+              </a:extLst>
+            </p:cNvPr>
+            <p:cNvSpPr/>
+            <p:nvPr/>
+          </p:nvSpPr>
+          <p:spPr>
+            <a:xfrm>
+              <a:off x="7458723" y="3675355"/>
+              <a:ext cx="3142695" cy="656948"/>
+            </a:xfrm>
+            <a:prstGeom prst="rect">
+              <a:avLst/>
+            </a:prstGeom>
+            <a:solidFill>
+              <a:schemeClr val="tx1">
+                <a:lumMod val="85000"/>
+                <a:lumOff val="15000"/>
+              </a:schemeClr>
+            </a:solidFill>
+            <a:ln>
+              <a:solidFill>
+                <a:schemeClr val="tx1"/>
+              </a:solidFill>
+            </a:ln>
+          </p:spPr>
+          <p:style>
+            <a:lnRef idx="2">
+              <a:schemeClr val="accent1">
+                <a:shade val="50000"/>
+              </a:schemeClr>
+            </a:lnRef>
+            <a:fillRef idx="1">
+              <a:schemeClr val="accent1"/>
+            </a:fillRef>
+            <a:effectRef idx="0">
+              <a:schemeClr val="accent1"/>
+            </a:effectRef>
+            <a:fontRef idx="minor">
+              <a:schemeClr val="lt1"/>
+            </a:fontRef>
+          </p:style>
+          <p:txBody>
+            <a:bodyPr rtlCol="0" anchor="ctr"/>
+            <a:lstStyle/>
+            <a:p>
+              <a:pPr algn="ctr"/>
+              <a:endParaRPr lang="pt-BR"/>
+            </a:p>
+          </p:txBody>
+        </p:sp>
+        <p:sp>
+          <p:nvSpPr>
+            <p:cNvPr id="22" name="Retângulo 21">
+              <a:extLst>
+                <a:ext uri="{FF2B5EF4-FFF2-40B4-BE49-F238E27FC236}">
+                  <a16:creationId xmlns:a16="http://schemas.microsoft.com/office/drawing/2014/main" id="{B84054AA-1EE7-41B3-9A95-69C1E8EBF46A}"/>
+                </a:ext>
+              </a:extLst>
+            </p:cNvPr>
+            <p:cNvSpPr/>
+            <p:nvPr/>
+          </p:nvSpPr>
+          <p:spPr>
+            <a:xfrm>
+              <a:off x="7485539" y="5650635"/>
+              <a:ext cx="3142695" cy="656948"/>
+            </a:xfrm>
+            <a:prstGeom prst="rect">
+              <a:avLst/>
+            </a:prstGeom>
+            <a:solidFill>
+              <a:schemeClr val="tx1">
+                <a:lumMod val="85000"/>
+                <a:lumOff val="15000"/>
+              </a:schemeClr>
+            </a:solidFill>
+            <a:ln>
+              <a:solidFill>
+                <a:schemeClr val="tx1"/>
+              </a:solidFill>
+            </a:ln>
+          </p:spPr>
+          <p:style>
+            <a:lnRef idx="2">
+              <a:schemeClr val="accent1">
+                <a:shade val="50000"/>
+              </a:schemeClr>
+            </a:lnRef>
+            <a:fillRef idx="1">
+              <a:schemeClr val="accent1"/>
+            </a:fillRef>
+            <a:effectRef idx="0">
+              <a:schemeClr val="accent1"/>
+            </a:effectRef>
+            <a:fontRef idx="minor">
+              <a:schemeClr val="lt1"/>
+            </a:fontRef>
+          </p:style>
+          <p:txBody>
+            <a:bodyPr rtlCol="0" anchor="ctr"/>
+            <a:lstStyle/>
+            <a:p>
+              <a:pPr algn="ctr"/>
+              <a:endParaRPr lang="pt-BR"/>
+            </a:p>
+          </p:txBody>
+        </p:sp>
+        <p:sp>
+          <p:nvSpPr>
+            <p:cNvPr id="23" name="CaixaDeTexto 22">
+              <a:extLst>
+                <a:ext uri="{FF2B5EF4-FFF2-40B4-BE49-F238E27FC236}">
+                  <a16:creationId xmlns:a16="http://schemas.microsoft.com/office/drawing/2014/main" id="{BCC77947-B1AC-4925-8489-0E450110F3A2}"/>
+                </a:ext>
+              </a:extLst>
+            </p:cNvPr>
+            <p:cNvSpPr txBox="1"/>
+            <p:nvPr/>
+          </p:nvSpPr>
+          <p:spPr>
+            <a:xfrm>
+              <a:off x="4536868" y="2966907"/>
+              <a:ext cx="798232" cy="369332"/>
+            </a:xfrm>
+            <a:prstGeom prst="rect">
+              <a:avLst/>
+            </a:prstGeom>
+            <a:noFill/>
+          </p:spPr>
+          <p:txBody>
+            <a:bodyPr wrap="none" rtlCol="0">
+              <a:spAutoFit/>
+            </a:bodyPr>
+            <a:lstStyle/>
+            <a:p>
+              <a:r>
+                <a:rPr lang="en-US" dirty="0">
+                  <a:solidFill>
+                    <a:srgbClr val="FF0000"/>
+                  </a:solidFill>
+                </a:rPr>
+                <a:t>FOTOS</a:t>
+              </a:r>
+              <a:endParaRPr lang="pt-BR" dirty="0">
+                <a:solidFill>
+                  <a:srgbClr val="FF0000"/>
+                </a:solidFill>
+              </a:endParaRPr>
+            </a:p>
+          </p:txBody>
+        </p:sp>
+        <p:sp>
+          <p:nvSpPr>
+            <p:cNvPr id="24" name="CaixaDeTexto 23">
+              <a:extLst>
+                <a:ext uri="{FF2B5EF4-FFF2-40B4-BE49-F238E27FC236}">
+                  <a16:creationId xmlns:a16="http://schemas.microsoft.com/office/drawing/2014/main" id="{B0B114A4-284E-4C69-BA91-1165408C7B22}"/>
+                </a:ext>
+              </a:extLst>
+            </p:cNvPr>
+            <p:cNvSpPr txBox="1"/>
+            <p:nvPr/>
+          </p:nvSpPr>
+          <p:spPr>
+            <a:xfrm>
+              <a:off x="8657770" y="2966907"/>
+              <a:ext cx="798232" cy="369332"/>
+            </a:xfrm>
+            <a:prstGeom prst="rect">
+              <a:avLst/>
+            </a:prstGeom>
+            <a:noFill/>
+          </p:spPr>
+          <p:txBody>
+            <a:bodyPr wrap="none" rtlCol="0">
+              <a:spAutoFit/>
+            </a:bodyPr>
+            <a:lstStyle/>
+            <a:p>
+              <a:r>
+                <a:rPr lang="en-US" dirty="0">
+                  <a:solidFill>
+                    <a:srgbClr val="FF0000"/>
+                  </a:solidFill>
+                </a:rPr>
+                <a:t>FOTOS</a:t>
+              </a:r>
+              <a:endParaRPr lang="pt-BR" dirty="0">
+                <a:solidFill>
+                  <a:srgbClr val="FF0000"/>
+                </a:solidFill>
+              </a:endParaRPr>
+            </a:p>
+          </p:txBody>
+        </p:sp>
+        <p:sp>
+          <p:nvSpPr>
+            <p:cNvPr id="25" name="CaixaDeTexto 24">
+              <a:extLst>
+                <a:ext uri="{FF2B5EF4-FFF2-40B4-BE49-F238E27FC236}">
+                  <a16:creationId xmlns:a16="http://schemas.microsoft.com/office/drawing/2014/main" id="{47937599-EA16-4B5D-A985-11A6808C74AA}"/>
+                </a:ext>
+              </a:extLst>
+            </p:cNvPr>
+            <p:cNvSpPr txBox="1"/>
+            <p:nvPr/>
+          </p:nvSpPr>
+          <p:spPr>
+            <a:xfrm>
+              <a:off x="4512826" y="5105515"/>
+              <a:ext cx="798232" cy="369332"/>
+            </a:xfrm>
+            <a:prstGeom prst="rect">
+              <a:avLst/>
+            </a:prstGeom>
+            <a:noFill/>
+          </p:spPr>
+          <p:txBody>
+            <a:bodyPr wrap="none" rtlCol="0">
+              <a:spAutoFit/>
+            </a:bodyPr>
+            <a:lstStyle/>
+            <a:p>
+              <a:r>
+                <a:rPr lang="en-US" dirty="0">
+                  <a:solidFill>
+                    <a:srgbClr val="FF0000"/>
+                  </a:solidFill>
+                </a:rPr>
+                <a:t>FOTOS</a:t>
+              </a:r>
+              <a:endParaRPr lang="pt-BR" dirty="0">
+                <a:solidFill>
+                  <a:srgbClr val="FF0000"/>
+                </a:solidFill>
+              </a:endParaRPr>
+            </a:p>
+          </p:txBody>
+        </p:sp>
+        <p:sp>
+          <p:nvSpPr>
+            <p:cNvPr id="26" name="CaixaDeTexto 25">
+              <a:extLst>
+                <a:ext uri="{FF2B5EF4-FFF2-40B4-BE49-F238E27FC236}">
+                  <a16:creationId xmlns:a16="http://schemas.microsoft.com/office/drawing/2014/main" id="{8B4BC9A5-F4C2-4621-B50C-9143E719B93B}"/>
+                </a:ext>
+              </a:extLst>
+            </p:cNvPr>
+            <p:cNvSpPr txBox="1"/>
+            <p:nvPr/>
+          </p:nvSpPr>
+          <p:spPr>
+            <a:xfrm>
+              <a:off x="8657770" y="5105515"/>
+              <a:ext cx="798232" cy="369332"/>
+            </a:xfrm>
+            <a:prstGeom prst="rect">
+              <a:avLst/>
+            </a:prstGeom>
+            <a:noFill/>
+          </p:spPr>
+          <p:txBody>
+            <a:bodyPr wrap="none" rtlCol="0">
+              <a:spAutoFit/>
+            </a:bodyPr>
+            <a:lstStyle/>
+            <a:p>
+              <a:r>
+                <a:rPr lang="en-US" dirty="0">
+                  <a:solidFill>
+                    <a:srgbClr val="FF0000"/>
+                  </a:solidFill>
+                </a:rPr>
+                <a:t>FOTOS</a:t>
+              </a:r>
+              <a:endParaRPr lang="pt-BR" dirty="0">
+                <a:solidFill>
+                  <a:srgbClr val="FF0000"/>
+                </a:solidFill>
+              </a:endParaRPr>
+            </a:p>
+          </p:txBody>
+        </p:sp>
+        <p:sp>
+          <p:nvSpPr>
+            <p:cNvPr id="27" name="CaixaDeTexto 26">
+              <a:extLst>
+                <a:ext uri="{FF2B5EF4-FFF2-40B4-BE49-F238E27FC236}">
+                  <a16:creationId xmlns:a16="http://schemas.microsoft.com/office/drawing/2014/main" id="{5BC278AD-C505-4FA3-B66F-02DE826A673F}"/>
+                </a:ext>
+              </a:extLst>
+            </p:cNvPr>
+            <p:cNvSpPr txBox="1"/>
+            <p:nvPr/>
+          </p:nvSpPr>
+          <p:spPr>
+            <a:xfrm>
+              <a:off x="417615" y="3880240"/>
+              <a:ext cx="2139518" cy="369332"/>
+            </a:xfrm>
+            <a:prstGeom prst="rect">
+              <a:avLst/>
+            </a:prstGeom>
+            <a:noFill/>
+          </p:spPr>
+          <p:txBody>
+            <a:bodyPr wrap="square" rtlCol="0">
+              <a:spAutoFit/>
+            </a:bodyPr>
+            <a:lstStyle/>
+            <a:p>
+              <a:r>
+                <a:rPr lang="en-US" dirty="0" err="1"/>
+                <a:t>Sobre</a:t>
+              </a:r>
+              <a:endParaRPr lang="pt-BR" dirty="0"/>
+            </a:p>
+          </p:txBody>
+        </p:sp>
+        <p:sp>
+          <p:nvSpPr>
+            <p:cNvPr id="28" name="CaixaDeTexto 27">
+              <a:extLst>
+                <a:ext uri="{FF2B5EF4-FFF2-40B4-BE49-F238E27FC236}">
+                  <a16:creationId xmlns:a16="http://schemas.microsoft.com/office/drawing/2014/main" id="{7A0784FE-842A-4BB6-841D-54B030A82223}"/>
+                </a:ext>
+              </a:extLst>
+            </p:cNvPr>
+            <p:cNvSpPr txBox="1"/>
+            <p:nvPr/>
+          </p:nvSpPr>
+          <p:spPr>
+            <a:xfrm>
+              <a:off x="417615" y="3378071"/>
+              <a:ext cx="1169103" cy="369332"/>
+            </a:xfrm>
+            <a:prstGeom prst="rect">
+              <a:avLst/>
+            </a:prstGeom>
+            <a:noFill/>
+          </p:spPr>
+          <p:txBody>
+            <a:bodyPr wrap="none" rtlCol="0">
+              <a:spAutoFit/>
+            </a:bodyPr>
+            <a:lstStyle/>
+            <a:p>
+              <a:r>
+                <a:rPr lang="en-US" dirty="0" err="1"/>
+                <a:t>Categorias</a:t>
+              </a:r>
+              <a:endParaRPr lang="pt-BR" dirty="0"/>
+            </a:p>
+          </p:txBody>
+        </p:sp>
+        <p:sp>
+          <p:nvSpPr>
+            <p:cNvPr id="29" name="CaixaDeTexto 28">
+              <a:extLst>
+                <a:ext uri="{FF2B5EF4-FFF2-40B4-BE49-F238E27FC236}">
+                  <a16:creationId xmlns:a16="http://schemas.microsoft.com/office/drawing/2014/main" id="{0FEFEC18-F0D0-4EBD-BA45-CEBB19E0128E}"/>
+                </a:ext>
+              </a:extLst>
+            </p:cNvPr>
+            <p:cNvSpPr txBox="1"/>
+            <p:nvPr/>
+          </p:nvSpPr>
+          <p:spPr>
+            <a:xfrm>
+              <a:off x="417615" y="4386050"/>
+              <a:ext cx="750526" cy="369332"/>
+            </a:xfrm>
+            <a:prstGeom prst="rect">
+              <a:avLst/>
+            </a:prstGeom>
+            <a:noFill/>
+          </p:spPr>
+          <p:txBody>
+            <a:bodyPr wrap="none" rtlCol="0">
+              <a:spAutoFit/>
+            </a:bodyPr>
+            <a:lstStyle/>
+            <a:p>
+              <a:r>
+                <a:rPr lang="en-US" dirty="0"/>
+                <a:t>Home</a:t>
+              </a:r>
+              <a:endParaRPr lang="pt-BR" dirty="0"/>
+            </a:p>
+          </p:txBody>
+        </p:sp>
+        <p:sp>
+          <p:nvSpPr>
+            <p:cNvPr id="30" name="CaixaDeTexto 29">
+              <a:extLst>
+                <a:ext uri="{FF2B5EF4-FFF2-40B4-BE49-F238E27FC236}">
+                  <a16:creationId xmlns:a16="http://schemas.microsoft.com/office/drawing/2014/main" id="{7FFA361D-5A9F-4EED-856C-016AE5BAFB6A}"/>
+                </a:ext>
+              </a:extLst>
+            </p:cNvPr>
+            <p:cNvSpPr txBox="1"/>
+            <p:nvPr/>
+          </p:nvSpPr>
+          <p:spPr>
+            <a:xfrm>
+              <a:off x="4258876" y="3797851"/>
+              <a:ext cx="1306127" cy="369332"/>
+            </a:xfrm>
+            <a:prstGeom prst="rect">
+              <a:avLst/>
+            </a:prstGeom>
+            <a:noFill/>
+          </p:spPr>
+          <p:txBody>
+            <a:bodyPr wrap="none" rtlCol="0">
+              <a:spAutoFit/>
+            </a:bodyPr>
+            <a:lstStyle/>
+            <a:p>
+              <a:r>
+                <a:rPr lang="en-US" dirty="0">
+                  <a:solidFill>
+                    <a:srgbClr val="FF0000"/>
+                  </a:solidFill>
+                </a:rPr>
+                <a:t>Diego David</a:t>
+              </a:r>
+              <a:endParaRPr lang="pt-BR" dirty="0">
+                <a:solidFill>
+                  <a:srgbClr val="FF0000"/>
+                </a:solidFill>
+              </a:endParaRPr>
+            </a:p>
+          </p:txBody>
+        </p:sp>
+        <p:sp>
+          <p:nvSpPr>
+            <p:cNvPr id="31" name="CaixaDeTexto 30">
+              <a:extLst>
+                <a:ext uri="{FF2B5EF4-FFF2-40B4-BE49-F238E27FC236}">
+                  <a16:creationId xmlns:a16="http://schemas.microsoft.com/office/drawing/2014/main" id="{C36AF63B-D018-445F-AB79-5451ADD618FD}"/>
+                </a:ext>
+              </a:extLst>
+            </p:cNvPr>
+            <p:cNvSpPr txBox="1"/>
+            <p:nvPr/>
+          </p:nvSpPr>
+          <p:spPr>
+            <a:xfrm>
+              <a:off x="3896565" y="5745615"/>
+              <a:ext cx="2086533" cy="369332"/>
+            </a:xfrm>
+            <a:prstGeom prst="rect">
+              <a:avLst/>
+            </a:prstGeom>
+            <a:noFill/>
+          </p:spPr>
+          <p:txBody>
+            <a:bodyPr wrap="none" rtlCol="0">
+              <a:spAutoFit/>
+            </a:bodyPr>
+            <a:lstStyle/>
+            <a:p>
+              <a:r>
+                <a:rPr lang="pt-BR" dirty="0">
+                  <a:solidFill>
+                    <a:srgbClr val="FF0000"/>
+                  </a:solidFill>
+                </a:rPr>
+                <a:t>João  Laet de Toledo</a:t>
+              </a:r>
+            </a:p>
+          </p:txBody>
+        </p:sp>
+        <p:sp>
+          <p:nvSpPr>
+            <p:cNvPr id="32" name="CaixaDeTexto 31">
+              <a:extLst>
+                <a:ext uri="{FF2B5EF4-FFF2-40B4-BE49-F238E27FC236}">
+                  <a16:creationId xmlns:a16="http://schemas.microsoft.com/office/drawing/2014/main" id="{6E876B00-5738-45A1-8C9C-FFE22EF2ABA6}"/>
+                </a:ext>
+              </a:extLst>
+            </p:cNvPr>
+            <p:cNvSpPr txBox="1"/>
+            <p:nvPr/>
+          </p:nvSpPr>
+          <p:spPr>
+            <a:xfrm>
+              <a:off x="8266795" y="3810739"/>
+              <a:ext cx="1516954" cy="369332"/>
+            </a:xfrm>
+            <a:prstGeom prst="rect">
+              <a:avLst/>
+            </a:prstGeom>
+            <a:noFill/>
+          </p:spPr>
+          <p:txBody>
+            <a:bodyPr wrap="none" rtlCol="0">
+              <a:spAutoFit/>
+            </a:bodyPr>
+            <a:lstStyle/>
+            <a:p>
+              <a:r>
+                <a:rPr lang="en-US" dirty="0">
+                  <a:solidFill>
+                    <a:srgbClr val="FF0000"/>
+                  </a:solidFill>
+                </a:rPr>
+                <a:t>Felipe Teracini</a:t>
+              </a:r>
+              <a:endParaRPr lang="pt-BR" dirty="0">
+                <a:solidFill>
+                  <a:srgbClr val="FF0000"/>
+                </a:solidFill>
+              </a:endParaRPr>
+            </a:p>
+          </p:txBody>
+        </p:sp>
+        <p:sp>
+          <p:nvSpPr>
+            <p:cNvPr id="33" name="CaixaDeTexto 32">
+              <a:extLst>
+                <a:ext uri="{FF2B5EF4-FFF2-40B4-BE49-F238E27FC236}">
+                  <a16:creationId xmlns:a16="http://schemas.microsoft.com/office/drawing/2014/main" id="{B6CABCA8-A7FB-4D14-9C3F-1C919B3EEFE6}"/>
+                </a:ext>
+              </a:extLst>
+            </p:cNvPr>
+            <p:cNvSpPr txBox="1"/>
+            <p:nvPr/>
+          </p:nvSpPr>
+          <p:spPr>
+            <a:xfrm>
+              <a:off x="8560906" y="5792625"/>
+              <a:ext cx="1285459" cy="369332"/>
+            </a:xfrm>
+            <a:prstGeom prst="rect">
+              <a:avLst/>
+            </a:prstGeom>
+            <a:noFill/>
+          </p:spPr>
+          <p:txBody>
+            <a:bodyPr wrap="square" rtlCol="0">
+              <a:spAutoFit/>
+            </a:bodyPr>
+            <a:lstStyle/>
+            <a:p>
+              <a:r>
+                <a:rPr lang="en-US" dirty="0">
+                  <a:solidFill>
+                    <a:srgbClr val="FF0000"/>
+                  </a:solidFill>
+                </a:rPr>
+                <a:t>Lucas Vaz</a:t>
+              </a:r>
+              <a:endParaRPr lang="pt-BR" dirty="0">
+                <a:solidFill>
+                  <a:srgbClr val="FF0000"/>
+                </a:solidFill>
+              </a:endParaRPr>
+            </a:p>
+          </p:txBody>
+        </p:sp>
+        <p:sp>
+          <p:nvSpPr>
+            <p:cNvPr id="34" name="CaixaDeTexto 33">
+              <a:extLst>
+                <a:ext uri="{FF2B5EF4-FFF2-40B4-BE49-F238E27FC236}">
+                  <a16:creationId xmlns:a16="http://schemas.microsoft.com/office/drawing/2014/main" id="{FE3531CE-26B9-4B3A-B79E-21B545834034}"/>
+                </a:ext>
+              </a:extLst>
+            </p:cNvPr>
+            <p:cNvSpPr txBox="1"/>
+            <p:nvPr/>
+          </p:nvSpPr>
+          <p:spPr>
+            <a:xfrm>
+              <a:off x="624599" y="5126186"/>
+              <a:ext cx="1911614" cy="369332"/>
+            </a:xfrm>
+            <a:prstGeom prst="rect">
+              <a:avLst/>
+            </a:prstGeom>
+            <a:noFill/>
+          </p:spPr>
+          <p:txBody>
+            <a:bodyPr wrap="none" rtlCol="0">
+              <a:spAutoFit/>
+            </a:bodyPr>
+            <a:lstStyle/>
+            <a:p>
+              <a:r>
+                <a:rPr lang="en-US" dirty="0">
+                  <a:solidFill>
+                    <a:srgbClr val="FF0000"/>
+                  </a:solidFill>
+                </a:rPr>
+                <a:t>MENU DE OPCOES</a:t>
+              </a:r>
+              <a:endParaRPr lang="pt-BR" dirty="0">
+                <a:solidFill>
+                  <a:srgbClr val="FF0000"/>
+                </a:solidFill>
+              </a:endParaRPr>
+            </a:p>
+          </p:txBody>
+        </p:sp>
+      </p:grpSp>
     </p:spTree>
     <p:extLst>
       <p:ext uri="{BB962C8B-B14F-4D97-AF65-F5344CB8AC3E}">
